--- a/hello (3).pptx
+++ b/hello (3).pptx
@@ -1,21 +1,17 @@
 
 <file path=ppt/presentation.xml><?xml version="1.0" encoding="utf-8"?>
-<p:presentation xmlns:a="http://schemas.openxmlformats.org/drawingml/2006/main" xmlns:p="http://schemas.openxmlformats.org/presentationml/2006/main" xmlns:r="http://schemas.openxmlformats.org/officeDocument/2006/relationships" autoCompressPictures="0" saveSubsetFonts="1">
+<p:presentation xmlns:a="http://schemas.openxmlformats.org/drawingml/2006/main" xmlns:r="http://schemas.openxmlformats.org/officeDocument/2006/relationships" xmlns:p="http://schemas.openxmlformats.org/presentationml/2006/main" autoCompressPictures="0">
   <p:sldMasterIdLst>
     <p:sldMasterId id="2147483648" r:id="rId1"/>
   </p:sldMasterIdLst>
   <p:sldIdLst>
-    <p:sldId id="256" r:id="rId2"/>
-    <p:sldId id="257" r:id="rId3"/>
-    <p:sldId id="258" r:id="rId4"/>
-    <p:sldId id="259" r:id="rId5"/>
+    <p:sldId id="256" r:id="rId3"/>
+    <p:sldId id="257" r:id="rId4"/>
+    <p:sldId id="258" r:id="rId5"/>
     <p:sldId id="260" r:id="rId6"/>
     <p:sldId id="261" r:id="rId7"/>
     <p:sldId id="262" r:id="rId8"/>
-    <p:sldId id="263" r:id="rId9"/>
-    <p:sldId id="264" r:id="rId10"/>
-    <p:sldId id="265" r:id="rId11"/>
-    <p:sldId id="266" r:id="rId12"/>
+    <p:sldId id="264" r:id="rId9"/>
   </p:sldIdLst>
   <p:sldSz cx="9144000" cy="5143500" type="screen16x9"/>
   <p:notesSz cx="6858000" cy="9144000"/>
@@ -23,8 +19,8 @@
     <a:defPPr>
       <a:defRPr lang="en-US"/>
     </a:defPPr>
-    <a:lvl1pPr algn="l" defTabSz="457200" eaLnBrk="1" hangingPunct="1" latinLnBrk="0" marL="0" rtl="0">
-      <a:defRPr kern="1200" sz="1800">
+    <a:lvl1pPr marL="0" algn="l" defTabSz="457200" rtl="0" eaLnBrk="1" latinLnBrk="0" hangingPunct="1">
+      <a:defRPr sz="1800" kern="1200">
         <a:solidFill>
           <a:schemeClr val="tx1"/>
         </a:solidFill>
@@ -33,8 +29,8 @@
         <a:cs typeface="+mn-cs"/>
       </a:defRPr>
     </a:lvl1pPr>
-    <a:lvl2pPr algn="l" defTabSz="457200" eaLnBrk="1" hangingPunct="1" latinLnBrk="0" marL="457200" rtl="0">
-      <a:defRPr kern="1200" sz="1800">
+    <a:lvl2pPr marL="457200" algn="l" defTabSz="457200" rtl="0" eaLnBrk="1" latinLnBrk="0" hangingPunct="1">
+      <a:defRPr sz="1800" kern="1200">
         <a:solidFill>
           <a:schemeClr val="tx1"/>
         </a:solidFill>
@@ -43,8 +39,8 @@
         <a:cs typeface="+mn-cs"/>
       </a:defRPr>
     </a:lvl2pPr>
-    <a:lvl3pPr algn="l" defTabSz="457200" eaLnBrk="1" hangingPunct="1" latinLnBrk="0" marL="914400" rtl="0">
-      <a:defRPr kern="1200" sz="1800">
+    <a:lvl3pPr marL="914400" algn="l" defTabSz="457200" rtl="0" eaLnBrk="1" latinLnBrk="0" hangingPunct="1">
+      <a:defRPr sz="1800" kern="1200">
         <a:solidFill>
           <a:schemeClr val="tx1"/>
         </a:solidFill>
@@ -53,8 +49,8 @@
         <a:cs typeface="+mn-cs"/>
       </a:defRPr>
     </a:lvl3pPr>
-    <a:lvl4pPr algn="l" defTabSz="457200" eaLnBrk="1" hangingPunct="1" latinLnBrk="0" marL="1371600" rtl="0">
-      <a:defRPr kern="1200" sz="1800">
+    <a:lvl4pPr marL="1371600" algn="l" defTabSz="457200" rtl="0" eaLnBrk="1" latinLnBrk="0" hangingPunct="1">
+      <a:defRPr sz="1800" kern="1200">
         <a:solidFill>
           <a:schemeClr val="tx1"/>
         </a:solidFill>
@@ -63,8 +59,8 @@
         <a:cs typeface="+mn-cs"/>
       </a:defRPr>
     </a:lvl4pPr>
-    <a:lvl5pPr algn="l" defTabSz="457200" eaLnBrk="1" hangingPunct="1" latinLnBrk="0" marL="1828800" rtl="0">
-      <a:defRPr kern="1200" sz="1800">
+    <a:lvl5pPr marL="1828800" algn="l" defTabSz="457200" rtl="0" eaLnBrk="1" latinLnBrk="0" hangingPunct="1">
+      <a:defRPr sz="1800" kern="1200">
         <a:solidFill>
           <a:schemeClr val="tx1"/>
         </a:solidFill>
@@ -73,8 +69,8 @@
         <a:cs typeface="+mn-cs"/>
       </a:defRPr>
     </a:lvl5pPr>
-    <a:lvl6pPr algn="l" defTabSz="457200" eaLnBrk="1" hangingPunct="1" latinLnBrk="0" marL="2286000" rtl="0">
-      <a:defRPr kern="1200" sz="1800">
+    <a:lvl6pPr marL="2286000" algn="l" defTabSz="457200" rtl="0" eaLnBrk="1" latinLnBrk="0" hangingPunct="1">
+      <a:defRPr sz="1800" kern="1200">
         <a:solidFill>
           <a:schemeClr val="tx1"/>
         </a:solidFill>
@@ -83,8 +79,8 @@
         <a:cs typeface="+mn-cs"/>
       </a:defRPr>
     </a:lvl6pPr>
-    <a:lvl7pPr algn="l" defTabSz="457200" eaLnBrk="1" hangingPunct="1" latinLnBrk="0" marL="2743200" rtl="0">
-      <a:defRPr kern="1200" sz="1800">
+    <a:lvl7pPr marL="2743200" algn="l" defTabSz="457200" rtl="0" eaLnBrk="1" latinLnBrk="0" hangingPunct="1">
+      <a:defRPr sz="1800" kern="1200">
         <a:solidFill>
           <a:schemeClr val="tx1"/>
         </a:solidFill>
@@ -93,8 +89,8 @@
         <a:cs typeface="+mn-cs"/>
       </a:defRPr>
     </a:lvl7pPr>
-    <a:lvl8pPr algn="l" defTabSz="457200" eaLnBrk="1" hangingPunct="1" latinLnBrk="0" marL="3200400" rtl="0">
-      <a:defRPr kern="1200" sz="1800">
+    <a:lvl8pPr marL="3200400" algn="l" defTabSz="457200" rtl="0" eaLnBrk="1" latinLnBrk="0" hangingPunct="1">
+      <a:defRPr sz="1800" kern="1200">
         <a:solidFill>
           <a:schemeClr val="tx1"/>
         </a:solidFill>
@@ -103,8 +99,8 @@
         <a:cs typeface="+mn-cs"/>
       </a:defRPr>
     </a:lvl8pPr>
-    <a:lvl9pPr algn="l" defTabSz="457200" eaLnBrk="1" hangingPunct="1" latinLnBrk="0" marL="3657600" rtl="0">
-      <a:defRPr kern="1200" sz="1800">
+    <a:lvl9pPr marL="3657600" algn="l" defTabSz="457200" rtl="0" eaLnBrk="1" latinLnBrk="0" hangingPunct="1">
+      <a:defRPr sz="1800" kern="1200">
         <a:solidFill>
           <a:schemeClr val="tx1"/>
         </a:solidFill>
@@ -174,6 +170,7 @@
               <a:rPr lang="en-US"/>
               <a:t>Click to edit Master title style</a:t>
             </a:r>
+            <a:endParaRPr lang="en-US"/>
           </a:p>
         </p:txBody>
       </p:sp>
@@ -292,6 +289,7 @@
               <a:rPr lang="en-US"/>
               <a:t>Click to edit Master subtitle style</a:t>
             </a:r>
+            <a:endParaRPr lang="en-US"/>
           </a:p>
         </p:txBody>
       </p:sp>
@@ -312,7 +310,6 @@
           <a:p>
             <a:fld id="{241EB5C9-1307-BA42-ABA2-0BC069CD8E7F}" type="datetimeFigureOut">
               <a:rPr lang="en-US" smtClean="0"/>
-              <a:t>1/2/22</a:t>
             </a:fld>
             <a:endParaRPr lang="en-US"/>
           </a:p>
@@ -354,18 +351,12 @@
           <a:p>
             <a:fld id="{C5EF2332-01BF-834F-8236-50238282D533}" type="slidenum">
               <a:rPr lang="en-US" smtClean="0"/>
-              <a:t>‹#›</a:t>
             </a:fld>
             <a:endParaRPr lang="en-US"/>
           </a:p>
         </p:txBody>
       </p:sp>
     </p:spTree>
-    <p:extLst>
-      <p:ext uri="{BB962C8B-B14F-4D97-AF65-F5344CB8AC3E}">
-        <p14:creationId xmlns:p14="http://schemas.microsoft.com/office/powerpoint/2010/main" val="1444357513"/>
-      </p:ext>
-    </p:extLst>
   </p:cSld>
   <p:clrMapOvr>
     <a:masterClrMapping/>
@@ -409,6 +400,7 @@
               <a:rPr lang="en-US"/>
               <a:t>Click to edit Master title style</a:t>
             </a:r>
+            <a:endParaRPr lang="en-US"/>
           </a:p>
         </p:txBody>
       </p:sp>
@@ -432,6 +424,7 @@
               <a:rPr lang="en-US"/>
               <a:t>Click to edit Master text styles</a:t>
             </a:r>
+            <a:endParaRPr lang="en-US"/>
           </a:p>
           <a:p>
             <a:pPr lvl="1"/>
@@ -439,6 +432,7 @@
               <a:rPr lang="en-US"/>
               <a:t>Second level</a:t>
             </a:r>
+            <a:endParaRPr lang="en-US"/>
           </a:p>
           <a:p>
             <a:pPr lvl="2"/>
@@ -446,6 +440,7 @@
               <a:rPr lang="en-US"/>
               <a:t>Third level</a:t>
             </a:r>
+            <a:endParaRPr lang="en-US"/>
           </a:p>
           <a:p>
             <a:pPr lvl="3"/>
@@ -453,6 +448,7 @@
               <a:rPr lang="en-US"/>
               <a:t>Fourth level</a:t>
             </a:r>
+            <a:endParaRPr lang="en-US"/>
           </a:p>
           <a:p>
             <a:pPr lvl="4"/>
@@ -460,6 +456,7 @@
               <a:rPr lang="en-US"/>
               <a:t>Fifth level</a:t>
             </a:r>
+            <a:endParaRPr lang="en-US"/>
           </a:p>
         </p:txBody>
       </p:sp>
@@ -480,7 +477,6 @@
           <a:p>
             <a:fld id="{241EB5C9-1307-BA42-ABA2-0BC069CD8E7F}" type="datetimeFigureOut">
               <a:rPr lang="en-US" smtClean="0"/>
-              <a:t>1/2/22</a:t>
             </a:fld>
             <a:endParaRPr lang="en-US"/>
           </a:p>
@@ -522,18 +518,12 @@
           <a:p>
             <a:fld id="{C5EF2332-01BF-834F-8236-50238282D533}" type="slidenum">
               <a:rPr lang="en-US" smtClean="0"/>
-              <a:t>‹#›</a:t>
             </a:fld>
             <a:endParaRPr lang="en-US"/>
           </a:p>
         </p:txBody>
       </p:sp>
     </p:spTree>
-    <p:extLst>
-      <p:ext uri="{BB962C8B-B14F-4D97-AF65-F5344CB8AC3E}">
-        <p14:creationId xmlns:p14="http://schemas.microsoft.com/office/powerpoint/2010/main" val="313914798"/>
-      </p:ext>
-    </p:extLst>
   </p:cSld>
   <p:clrMapOvr>
     <a:masterClrMapping/>
@@ -582,6 +572,7 @@
               <a:rPr lang="en-US"/>
               <a:t>Click to edit Master title style</a:t>
             </a:r>
+            <a:endParaRPr lang="en-US"/>
           </a:p>
         </p:txBody>
       </p:sp>
@@ -610,6 +601,7 @@
               <a:rPr lang="en-US"/>
               <a:t>Click to edit Master text styles</a:t>
             </a:r>
+            <a:endParaRPr lang="en-US"/>
           </a:p>
           <a:p>
             <a:pPr lvl="1"/>
@@ -617,6 +609,7 @@
               <a:rPr lang="en-US"/>
               <a:t>Second level</a:t>
             </a:r>
+            <a:endParaRPr lang="en-US"/>
           </a:p>
           <a:p>
             <a:pPr lvl="2"/>
@@ -624,6 +617,7 @@
               <a:rPr lang="en-US"/>
               <a:t>Third level</a:t>
             </a:r>
+            <a:endParaRPr lang="en-US"/>
           </a:p>
           <a:p>
             <a:pPr lvl="3"/>
@@ -631,6 +625,7 @@
               <a:rPr lang="en-US"/>
               <a:t>Fourth level</a:t>
             </a:r>
+            <a:endParaRPr lang="en-US"/>
           </a:p>
           <a:p>
             <a:pPr lvl="4"/>
@@ -638,6 +633,7 @@
               <a:rPr lang="en-US"/>
               <a:t>Fifth level</a:t>
             </a:r>
+            <a:endParaRPr lang="en-US"/>
           </a:p>
         </p:txBody>
       </p:sp>
@@ -658,7 +654,6 @@
           <a:p>
             <a:fld id="{241EB5C9-1307-BA42-ABA2-0BC069CD8E7F}" type="datetimeFigureOut">
               <a:rPr lang="en-US" smtClean="0"/>
-              <a:t>1/2/22</a:t>
             </a:fld>
             <a:endParaRPr lang="en-US"/>
           </a:p>
@@ -700,18 +695,12 @@
           <a:p>
             <a:fld id="{C5EF2332-01BF-834F-8236-50238282D533}" type="slidenum">
               <a:rPr lang="en-US" smtClean="0"/>
-              <a:t>‹#›</a:t>
             </a:fld>
             <a:endParaRPr lang="en-US"/>
           </a:p>
         </p:txBody>
       </p:sp>
     </p:spTree>
-    <p:extLst>
-      <p:ext uri="{BB962C8B-B14F-4D97-AF65-F5344CB8AC3E}">
-        <p14:creationId xmlns:p14="http://schemas.microsoft.com/office/powerpoint/2010/main" val="2581529045"/>
-      </p:ext>
-    </p:extLst>
   </p:cSld>
   <p:clrMapOvr>
     <a:masterClrMapping/>
@@ -755,6 +744,7 @@
               <a:rPr lang="en-US"/>
               <a:t>Click to edit Master title style</a:t>
             </a:r>
+            <a:endParaRPr lang="en-US"/>
           </a:p>
         </p:txBody>
       </p:sp>
@@ -778,6 +768,7 @@
               <a:rPr lang="en-US"/>
               <a:t>Click to edit Master text styles</a:t>
             </a:r>
+            <a:endParaRPr lang="en-US"/>
           </a:p>
           <a:p>
             <a:pPr lvl="1"/>
@@ -785,6 +776,7 @@
               <a:rPr lang="en-US"/>
               <a:t>Second level</a:t>
             </a:r>
+            <a:endParaRPr lang="en-US"/>
           </a:p>
           <a:p>
             <a:pPr lvl="2"/>
@@ -792,6 +784,7 @@
               <a:rPr lang="en-US"/>
               <a:t>Third level</a:t>
             </a:r>
+            <a:endParaRPr lang="en-US"/>
           </a:p>
           <a:p>
             <a:pPr lvl="3"/>
@@ -799,6 +792,7 @@
               <a:rPr lang="en-US"/>
               <a:t>Fourth level</a:t>
             </a:r>
+            <a:endParaRPr lang="en-US"/>
           </a:p>
           <a:p>
             <a:pPr lvl="4"/>
@@ -806,6 +800,7 @@
               <a:rPr lang="en-US"/>
               <a:t>Fifth level</a:t>
             </a:r>
+            <a:endParaRPr lang="en-US"/>
           </a:p>
         </p:txBody>
       </p:sp>
@@ -826,7 +821,6 @@
           <a:p>
             <a:fld id="{241EB5C9-1307-BA42-ABA2-0BC069CD8E7F}" type="datetimeFigureOut">
               <a:rPr lang="en-US" smtClean="0"/>
-              <a:t>1/2/22</a:t>
             </a:fld>
             <a:endParaRPr lang="en-US"/>
           </a:p>
@@ -868,18 +862,12 @@
           <a:p>
             <a:fld id="{C5EF2332-01BF-834F-8236-50238282D533}" type="slidenum">
               <a:rPr lang="en-US" smtClean="0"/>
-              <a:t>‹#›</a:t>
             </a:fld>
             <a:endParaRPr lang="en-US"/>
           </a:p>
         </p:txBody>
       </p:sp>
     </p:spTree>
-    <p:extLst>
-      <p:ext uri="{BB962C8B-B14F-4D97-AF65-F5344CB8AC3E}">
-        <p14:creationId xmlns:p14="http://schemas.microsoft.com/office/powerpoint/2010/main" val="338346009"/>
-      </p:ext>
-    </p:extLst>
   </p:cSld>
   <p:clrMapOvr>
     <a:masterClrMapping/>
@@ -932,6 +920,7 @@
               <a:rPr lang="en-US"/>
               <a:t>Click to edit Master title style</a:t>
             </a:r>
+            <a:endParaRPr lang="en-US"/>
           </a:p>
         </p:txBody>
       </p:sp>
@@ -1051,6 +1040,7 @@
               <a:rPr lang="en-US"/>
               <a:t>Click to edit Master text styles</a:t>
             </a:r>
+            <a:endParaRPr lang="en-US"/>
           </a:p>
         </p:txBody>
       </p:sp>
@@ -1071,7 +1061,6 @@
           <a:p>
             <a:fld id="{241EB5C9-1307-BA42-ABA2-0BC069CD8E7F}" type="datetimeFigureOut">
               <a:rPr lang="en-US" smtClean="0"/>
-              <a:t>1/2/22</a:t>
             </a:fld>
             <a:endParaRPr lang="en-US"/>
           </a:p>
@@ -1113,18 +1102,12 @@
           <a:p>
             <a:fld id="{C5EF2332-01BF-834F-8236-50238282D533}" type="slidenum">
               <a:rPr lang="en-US" smtClean="0"/>
-              <a:t>‹#›</a:t>
             </a:fld>
             <a:endParaRPr lang="en-US"/>
           </a:p>
         </p:txBody>
       </p:sp>
     </p:spTree>
-    <p:extLst>
-      <p:ext uri="{BB962C8B-B14F-4D97-AF65-F5344CB8AC3E}">
-        <p14:creationId xmlns:p14="http://schemas.microsoft.com/office/powerpoint/2010/main" val="1073069076"/>
-      </p:ext>
-    </p:extLst>
   </p:cSld>
   <p:clrMapOvr>
     <a:masterClrMapping/>
@@ -1168,6 +1151,7 @@
               <a:rPr lang="en-US"/>
               <a:t>Click to edit Master title style</a:t>
             </a:r>
+            <a:endParaRPr lang="en-US"/>
           </a:p>
         </p:txBody>
       </p:sp>
@@ -1224,6 +1208,7 @@
               <a:rPr lang="en-US"/>
               <a:t>Click to edit Master text styles</a:t>
             </a:r>
+            <a:endParaRPr lang="en-US"/>
           </a:p>
           <a:p>
             <a:pPr lvl="1"/>
@@ -1231,6 +1216,7 @@
               <a:rPr lang="en-US"/>
               <a:t>Second level</a:t>
             </a:r>
+            <a:endParaRPr lang="en-US"/>
           </a:p>
           <a:p>
             <a:pPr lvl="2"/>
@@ -1238,6 +1224,7 @@
               <a:rPr lang="en-US"/>
               <a:t>Third level</a:t>
             </a:r>
+            <a:endParaRPr lang="en-US"/>
           </a:p>
           <a:p>
             <a:pPr lvl="3"/>
@@ -1245,6 +1232,7 @@
               <a:rPr lang="en-US"/>
               <a:t>Fourth level</a:t>
             </a:r>
+            <a:endParaRPr lang="en-US"/>
           </a:p>
           <a:p>
             <a:pPr lvl="4"/>
@@ -1252,6 +1240,7 @@
               <a:rPr lang="en-US"/>
               <a:t>Fifth level</a:t>
             </a:r>
+            <a:endParaRPr lang="en-US"/>
           </a:p>
         </p:txBody>
       </p:sp>
@@ -1308,6 +1297,7 @@
               <a:rPr lang="en-US"/>
               <a:t>Click to edit Master text styles</a:t>
             </a:r>
+            <a:endParaRPr lang="en-US"/>
           </a:p>
           <a:p>
             <a:pPr lvl="1"/>
@@ -1315,6 +1305,7 @@
               <a:rPr lang="en-US"/>
               <a:t>Second level</a:t>
             </a:r>
+            <a:endParaRPr lang="en-US"/>
           </a:p>
           <a:p>
             <a:pPr lvl="2"/>
@@ -1322,6 +1313,7 @@
               <a:rPr lang="en-US"/>
               <a:t>Third level</a:t>
             </a:r>
+            <a:endParaRPr lang="en-US"/>
           </a:p>
           <a:p>
             <a:pPr lvl="3"/>
@@ -1329,6 +1321,7 @@
               <a:rPr lang="en-US"/>
               <a:t>Fourth level</a:t>
             </a:r>
+            <a:endParaRPr lang="en-US"/>
           </a:p>
           <a:p>
             <a:pPr lvl="4"/>
@@ -1336,6 +1329,7 @@
               <a:rPr lang="en-US"/>
               <a:t>Fifth level</a:t>
             </a:r>
+            <a:endParaRPr lang="en-US"/>
           </a:p>
         </p:txBody>
       </p:sp>
@@ -1356,7 +1350,6 @@
           <a:p>
             <a:fld id="{241EB5C9-1307-BA42-ABA2-0BC069CD8E7F}" type="datetimeFigureOut">
               <a:rPr lang="en-US" smtClean="0"/>
-              <a:t>1/2/22</a:t>
             </a:fld>
             <a:endParaRPr lang="en-US"/>
           </a:p>
@@ -1398,18 +1391,12 @@
           <a:p>
             <a:fld id="{C5EF2332-01BF-834F-8236-50238282D533}" type="slidenum">
               <a:rPr lang="en-US" smtClean="0"/>
-              <a:t>‹#›</a:t>
             </a:fld>
             <a:endParaRPr lang="en-US"/>
           </a:p>
         </p:txBody>
       </p:sp>
     </p:spTree>
-    <p:extLst>
-      <p:ext uri="{BB962C8B-B14F-4D97-AF65-F5344CB8AC3E}">
-        <p14:creationId xmlns:p14="http://schemas.microsoft.com/office/powerpoint/2010/main" val="2619886245"/>
-      </p:ext>
-    </p:extLst>
   </p:cSld>
   <p:clrMapOvr>
     <a:masterClrMapping/>
@@ -1457,6 +1444,7 @@
               <a:rPr lang="en-US"/>
               <a:t>Click to edit Master title style</a:t>
             </a:r>
+            <a:endParaRPr lang="en-US"/>
           </a:p>
         </p:txBody>
       </p:sp>
@@ -1522,6 +1510,7 @@
               <a:rPr lang="en-US"/>
               <a:t>Click to edit Master text styles</a:t>
             </a:r>
+            <a:endParaRPr lang="en-US"/>
           </a:p>
         </p:txBody>
       </p:sp>
@@ -1578,6 +1567,7 @@
               <a:rPr lang="en-US"/>
               <a:t>Click to edit Master text styles</a:t>
             </a:r>
+            <a:endParaRPr lang="en-US"/>
           </a:p>
           <a:p>
             <a:pPr lvl="1"/>
@@ -1585,6 +1575,7 @@
               <a:rPr lang="en-US"/>
               <a:t>Second level</a:t>
             </a:r>
+            <a:endParaRPr lang="en-US"/>
           </a:p>
           <a:p>
             <a:pPr lvl="2"/>
@@ -1592,6 +1583,7 @@
               <a:rPr lang="en-US"/>
               <a:t>Third level</a:t>
             </a:r>
+            <a:endParaRPr lang="en-US"/>
           </a:p>
           <a:p>
             <a:pPr lvl="3"/>
@@ -1599,6 +1591,7 @@
               <a:rPr lang="en-US"/>
               <a:t>Fourth level</a:t>
             </a:r>
+            <a:endParaRPr lang="en-US"/>
           </a:p>
           <a:p>
             <a:pPr lvl="4"/>
@@ -1606,6 +1599,7 @@
               <a:rPr lang="en-US"/>
               <a:t>Fifth level</a:t>
             </a:r>
+            <a:endParaRPr lang="en-US"/>
           </a:p>
         </p:txBody>
       </p:sp>
@@ -1671,6 +1665,7 @@
               <a:rPr lang="en-US"/>
               <a:t>Click to edit Master text styles</a:t>
             </a:r>
+            <a:endParaRPr lang="en-US"/>
           </a:p>
         </p:txBody>
       </p:sp>
@@ -1727,6 +1722,7 @@
               <a:rPr lang="en-US"/>
               <a:t>Click to edit Master text styles</a:t>
             </a:r>
+            <a:endParaRPr lang="en-US"/>
           </a:p>
           <a:p>
             <a:pPr lvl="1"/>
@@ -1734,6 +1730,7 @@
               <a:rPr lang="en-US"/>
               <a:t>Second level</a:t>
             </a:r>
+            <a:endParaRPr lang="en-US"/>
           </a:p>
           <a:p>
             <a:pPr lvl="2"/>
@@ -1741,6 +1738,7 @@
               <a:rPr lang="en-US"/>
               <a:t>Third level</a:t>
             </a:r>
+            <a:endParaRPr lang="en-US"/>
           </a:p>
           <a:p>
             <a:pPr lvl="3"/>
@@ -1748,6 +1746,7 @@
               <a:rPr lang="en-US"/>
               <a:t>Fourth level</a:t>
             </a:r>
+            <a:endParaRPr lang="en-US"/>
           </a:p>
           <a:p>
             <a:pPr lvl="4"/>
@@ -1755,6 +1754,7 @@
               <a:rPr lang="en-US"/>
               <a:t>Fifth level</a:t>
             </a:r>
+            <a:endParaRPr lang="en-US"/>
           </a:p>
         </p:txBody>
       </p:sp>
@@ -1775,7 +1775,6 @@
           <a:p>
             <a:fld id="{241EB5C9-1307-BA42-ABA2-0BC069CD8E7F}" type="datetimeFigureOut">
               <a:rPr lang="en-US" smtClean="0"/>
-              <a:t>1/2/22</a:t>
             </a:fld>
             <a:endParaRPr lang="en-US"/>
           </a:p>
@@ -1817,18 +1816,12 @@
           <a:p>
             <a:fld id="{C5EF2332-01BF-834F-8236-50238282D533}" type="slidenum">
               <a:rPr lang="en-US" smtClean="0"/>
-              <a:t>‹#›</a:t>
             </a:fld>
             <a:endParaRPr lang="en-US"/>
           </a:p>
         </p:txBody>
       </p:sp>
     </p:spTree>
-    <p:extLst>
-      <p:ext uri="{BB962C8B-B14F-4D97-AF65-F5344CB8AC3E}">
-        <p14:creationId xmlns:p14="http://schemas.microsoft.com/office/powerpoint/2010/main" val="2535793967"/>
-      </p:ext>
-    </p:extLst>
   </p:cSld>
   <p:clrMapOvr>
     <a:masterClrMapping/>
@@ -1872,6 +1865,7 @@
               <a:rPr lang="en-US"/>
               <a:t>Click to edit Master title style</a:t>
             </a:r>
+            <a:endParaRPr lang="en-US"/>
           </a:p>
         </p:txBody>
       </p:sp>
@@ -1892,7 +1886,6 @@
           <a:p>
             <a:fld id="{241EB5C9-1307-BA42-ABA2-0BC069CD8E7F}" type="datetimeFigureOut">
               <a:rPr lang="en-US" smtClean="0"/>
-              <a:t>1/2/22</a:t>
             </a:fld>
             <a:endParaRPr lang="en-US"/>
           </a:p>
@@ -1934,18 +1927,12 @@
           <a:p>
             <a:fld id="{C5EF2332-01BF-834F-8236-50238282D533}" type="slidenum">
               <a:rPr lang="en-US" smtClean="0"/>
-              <a:t>‹#›</a:t>
             </a:fld>
             <a:endParaRPr lang="en-US"/>
           </a:p>
         </p:txBody>
       </p:sp>
     </p:spTree>
-    <p:extLst>
-      <p:ext uri="{BB962C8B-B14F-4D97-AF65-F5344CB8AC3E}">
-        <p14:creationId xmlns:p14="http://schemas.microsoft.com/office/powerpoint/2010/main" val="3472721253"/>
-      </p:ext>
-    </p:extLst>
   </p:cSld>
   <p:clrMapOvr>
     <a:masterClrMapping/>
@@ -1987,7 +1974,6 @@
           <a:p>
             <a:fld id="{241EB5C9-1307-BA42-ABA2-0BC069CD8E7F}" type="datetimeFigureOut">
               <a:rPr lang="en-US" smtClean="0"/>
-              <a:t>1/2/22</a:t>
             </a:fld>
             <a:endParaRPr lang="en-US"/>
           </a:p>
@@ -2029,18 +2015,12 @@
           <a:p>
             <a:fld id="{C5EF2332-01BF-834F-8236-50238282D533}" type="slidenum">
               <a:rPr lang="en-US" smtClean="0"/>
-              <a:t>‹#›</a:t>
             </a:fld>
             <a:endParaRPr lang="en-US"/>
           </a:p>
         </p:txBody>
       </p:sp>
     </p:spTree>
-    <p:extLst>
-      <p:ext uri="{BB962C8B-B14F-4D97-AF65-F5344CB8AC3E}">
-        <p14:creationId xmlns:p14="http://schemas.microsoft.com/office/powerpoint/2010/main" val="2130901097"/>
-      </p:ext>
-    </p:extLst>
   </p:cSld>
   <p:clrMapOvr>
     <a:masterClrMapping/>
@@ -2093,6 +2073,7 @@
               <a:rPr lang="en-US"/>
               <a:t>Click to edit Master title style</a:t>
             </a:r>
+            <a:endParaRPr lang="en-US"/>
           </a:p>
         </p:txBody>
       </p:sp>
@@ -2149,6 +2130,7 @@
               <a:rPr lang="en-US"/>
               <a:t>Click to edit Master text styles</a:t>
             </a:r>
+            <a:endParaRPr lang="en-US"/>
           </a:p>
           <a:p>
             <a:pPr lvl="1"/>
@@ -2156,6 +2138,7 @@
               <a:rPr lang="en-US"/>
               <a:t>Second level</a:t>
             </a:r>
+            <a:endParaRPr lang="en-US"/>
           </a:p>
           <a:p>
             <a:pPr lvl="2"/>
@@ -2163,6 +2146,7 @@
               <a:rPr lang="en-US"/>
               <a:t>Third level</a:t>
             </a:r>
+            <a:endParaRPr lang="en-US"/>
           </a:p>
           <a:p>
             <a:pPr lvl="3"/>
@@ -2170,6 +2154,7 @@
               <a:rPr lang="en-US"/>
               <a:t>Fourth level</a:t>
             </a:r>
+            <a:endParaRPr lang="en-US"/>
           </a:p>
           <a:p>
             <a:pPr lvl="4"/>
@@ -2177,6 +2162,7 @@
               <a:rPr lang="en-US"/>
               <a:t>Fifth level</a:t>
             </a:r>
+            <a:endParaRPr lang="en-US"/>
           </a:p>
         </p:txBody>
       </p:sp>
@@ -2242,6 +2228,7 @@
               <a:rPr lang="en-US"/>
               <a:t>Click to edit Master text styles</a:t>
             </a:r>
+            <a:endParaRPr lang="en-US"/>
           </a:p>
         </p:txBody>
       </p:sp>
@@ -2262,7 +2249,6 @@
           <a:p>
             <a:fld id="{241EB5C9-1307-BA42-ABA2-0BC069CD8E7F}" type="datetimeFigureOut">
               <a:rPr lang="en-US" smtClean="0"/>
-              <a:t>1/2/22</a:t>
             </a:fld>
             <a:endParaRPr lang="en-US"/>
           </a:p>
@@ -2304,18 +2290,12 @@
           <a:p>
             <a:fld id="{C5EF2332-01BF-834F-8236-50238282D533}" type="slidenum">
               <a:rPr lang="en-US" smtClean="0"/>
-              <a:t>‹#›</a:t>
             </a:fld>
             <a:endParaRPr lang="en-US"/>
           </a:p>
         </p:txBody>
       </p:sp>
     </p:spTree>
-    <p:extLst>
-      <p:ext uri="{BB962C8B-B14F-4D97-AF65-F5344CB8AC3E}">
-        <p14:creationId xmlns:p14="http://schemas.microsoft.com/office/powerpoint/2010/main" val="3540895647"/>
-      </p:ext>
-    </p:extLst>
   </p:cSld>
   <p:clrMapOvr>
     <a:masterClrMapping/>
@@ -2368,6 +2348,7 @@
               <a:rPr lang="en-US"/>
               <a:t>Click to edit Master title style</a:t>
             </a:r>
+            <a:endParaRPr lang="en-US"/>
           </a:p>
         </p:txBody>
       </p:sp>
@@ -2494,6 +2475,7 @@
               <a:rPr lang="en-US"/>
               <a:t>Click to edit Master text styles</a:t>
             </a:r>
+            <a:endParaRPr lang="en-US"/>
           </a:p>
         </p:txBody>
       </p:sp>
@@ -2514,7 +2496,6 @@
           <a:p>
             <a:fld id="{241EB5C9-1307-BA42-ABA2-0BC069CD8E7F}" type="datetimeFigureOut">
               <a:rPr lang="en-US" smtClean="0"/>
-              <a:t>1/2/22</a:t>
             </a:fld>
             <a:endParaRPr lang="en-US"/>
           </a:p>
@@ -2556,18 +2537,12 @@
           <a:p>
             <a:fld id="{C5EF2332-01BF-834F-8236-50238282D533}" type="slidenum">
               <a:rPr lang="en-US" smtClean="0"/>
-              <a:t>‹#›</a:t>
             </a:fld>
             <a:endParaRPr lang="en-US"/>
           </a:p>
         </p:txBody>
       </p:sp>
     </p:spTree>
-    <p:extLst>
-      <p:ext uri="{BB962C8B-B14F-4D97-AF65-F5344CB8AC3E}">
-        <p14:creationId xmlns:p14="http://schemas.microsoft.com/office/powerpoint/2010/main" val="3566899855"/>
-      </p:ext>
-    </p:extLst>
   </p:cSld>
   <p:clrMapOvr>
     <a:masterClrMapping/>
@@ -2576,7 +2551,7 @@
 </file>
 
 <file path=ppt/slideMasters/slideMaster1.xml><?xml version="1.0" encoding="utf-8"?>
-<p:sldMaster xmlns:a="http://schemas.openxmlformats.org/drawingml/2006/main" xmlns:p="http://schemas.openxmlformats.org/presentationml/2006/main" xmlns:r="http://schemas.openxmlformats.org/officeDocument/2006/relationships">
+<p:sldMaster xmlns:a="http://schemas.openxmlformats.org/drawingml/2006/main" xmlns:r="http://schemas.openxmlformats.org/officeDocument/2006/relationships" xmlns:p="http://schemas.openxmlformats.org/presentationml/2006/main">
   <p:cSld>
     <p:bg>
       <p:bgRef idx="1001">
@@ -2617,7 +2592,7 @@
           </a:prstGeom>
         </p:spPr>
         <p:txBody>
-          <a:bodyPr anchor="ctr" bIns="45720" lIns="91440" rIns="91440" rtlCol="0" tIns="45720" vert="horz">
+          <a:bodyPr vert="horz" lIns="91440" tIns="45720" rIns="91440" bIns="45720" rtlCol="0" anchor="ctr">
             <a:normAutofit/>
           </a:bodyPr>
           <a:lstStyle/>
@@ -2626,6 +2601,7 @@
               <a:rPr lang="en-US"/>
               <a:t>Click to edit Master title style</a:t>
             </a:r>
+            <a:endParaRPr lang="en-US"/>
           </a:p>
         </p:txBody>
       </p:sp>
@@ -2636,7 +2612,7 @@
             <a:spLocks noGrp="1"/>
           </p:cNvSpPr>
           <p:nvPr>
-            <p:ph idx="1" type="body"/>
+            <p:ph type="body" idx="1"/>
           </p:nvPr>
         </p:nvSpPr>
         <p:spPr>
@@ -2649,7 +2625,7 @@
           </a:prstGeom>
         </p:spPr>
         <p:txBody>
-          <a:bodyPr bIns="45720" lIns="91440" rIns="91440" rtlCol="0" tIns="45720" vert="horz">
+          <a:bodyPr vert="horz" lIns="91440" tIns="45720" rIns="91440" bIns="45720" rtlCol="0">
             <a:normAutofit/>
           </a:bodyPr>
           <a:lstStyle/>
@@ -2659,6 +2635,7 @@
               <a:rPr lang="en-US"/>
               <a:t>Click to edit Master text styles</a:t>
             </a:r>
+            <a:endParaRPr lang="en-US"/>
           </a:p>
           <a:p>
             <a:pPr lvl="1"/>
@@ -2666,6 +2643,7 @@
               <a:rPr lang="en-US"/>
               <a:t>Second level</a:t>
             </a:r>
+            <a:endParaRPr lang="en-US"/>
           </a:p>
           <a:p>
             <a:pPr lvl="2"/>
@@ -2673,6 +2651,7 @@
               <a:rPr lang="en-US"/>
               <a:t>Third level</a:t>
             </a:r>
+            <a:endParaRPr lang="en-US"/>
           </a:p>
           <a:p>
             <a:pPr lvl="3"/>
@@ -2680,6 +2659,7 @@
               <a:rPr lang="en-US"/>
               <a:t>Fourth level</a:t>
             </a:r>
+            <a:endParaRPr lang="en-US"/>
           </a:p>
           <a:p>
             <a:pPr lvl="4"/>
@@ -2687,6 +2667,7 @@
               <a:rPr lang="en-US"/>
               <a:t>Fifth level</a:t>
             </a:r>
+            <a:endParaRPr lang="en-US"/>
           </a:p>
         </p:txBody>
       </p:sp>
@@ -2697,7 +2678,7 @@
             <a:spLocks noGrp="1"/>
           </p:cNvSpPr>
           <p:nvPr>
-            <p:ph idx="2" sz="half" type="dt"/>
+            <p:ph type="dt" sz="half" idx="2"/>
           </p:nvPr>
         </p:nvSpPr>
         <p:spPr>
@@ -2710,7 +2691,7 @@
           </a:prstGeom>
         </p:spPr>
         <p:txBody>
-          <a:bodyPr anchor="ctr" bIns="45720" lIns="91440" rIns="91440" rtlCol="0" tIns="45720" vert="horz"/>
+          <a:bodyPr vert="horz" lIns="91440" tIns="45720" rIns="91440" bIns="45720" rtlCol="0" anchor="ctr"/>
           <a:lstStyle>
             <a:lvl1pPr algn="l">
               <a:defRPr sz="900">
@@ -2725,7 +2706,6 @@
           <a:p>
             <a:fld id="{241EB5C9-1307-BA42-ABA2-0BC069CD8E7F}" type="datetimeFigureOut">
               <a:rPr lang="en-US" smtClean="0"/>
-              <a:t>1/2/22</a:t>
             </a:fld>
             <a:endParaRPr lang="en-US"/>
           </a:p>
@@ -2738,7 +2718,7 @@
             <a:spLocks noGrp="1"/>
           </p:cNvSpPr>
           <p:nvPr>
-            <p:ph idx="3" sz="quarter" type="ftr"/>
+            <p:ph type="ftr" sz="quarter" idx="3"/>
           </p:nvPr>
         </p:nvSpPr>
         <p:spPr>
@@ -2751,7 +2731,7 @@
           </a:prstGeom>
         </p:spPr>
         <p:txBody>
-          <a:bodyPr anchor="ctr" bIns="45720" lIns="91440" rIns="91440" rtlCol="0" tIns="45720" vert="horz"/>
+          <a:bodyPr vert="horz" lIns="91440" tIns="45720" rIns="91440" bIns="45720" rtlCol="0" anchor="ctr"/>
           <a:lstStyle>
             <a:lvl1pPr algn="ctr">
               <a:defRPr sz="900">
@@ -2775,7 +2755,7 @@
             <a:spLocks noGrp="1"/>
           </p:cNvSpPr>
           <p:nvPr>
-            <p:ph idx="4" sz="quarter" type="sldNum"/>
+            <p:ph type="sldNum" sz="quarter" idx="4"/>
           </p:nvPr>
         </p:nvSpPr>
         <p:spPr>
@@ -2788,7 +2768,7 @@
           </a:prstGeom>
         </p:spPr>
         <p:txBody>
-          <a:bodyPr anchor="ctr" bIns="45720" lIns="91440" rIns="91440" rtlCol="0" tIns="45720" vert="horz"/>
+          <a:bodyPr vert="horz" lIns="91440" tIns="45720" rIns="91440" bIns="45720" rtlCol="0" anchor="ctr"/>
           <a:lstStyle>
             <a:lvl1pPr algn="r">
               <a:defRPr sz="900">
@@ -2803,20 +2783,14 @@
           <a:p>
             <a:fld id="{C5EF2332-01BF-834F-8236-50238282D533}" type="slidenum">
               <a:rPr lang="en-US" smtClean="0"/>
-              <a:t>‹#›</a:t>
             </a:fld>
             <a:endParaRPr lang="en-US"/>
           </a:p>
         </p:txBody>
       </p:sp>
     </p:spTree>
-    <p:extLst>
-      <p:ext uri="{BB962C8B-B14F-4D97-AF65-F5344CB8AC3E}">
-        <p14:creationId xmlns:p14="http://schemas.microsoft.com/office/powerpoint/2010/main" val="3676200875"/>
-      </p:ext>
-    </p:extLst>
   </p:cSld>
-  <p:clrMap accent1="accent1" accent2="accent2" accent3="accent3" accent4="accent4" accent5="accent5" accent6="accent6" bg1="lt1" bg2="lt2" folHlink="folHlink" hlink="hlink" tx1="dk1" tx2="dk2"/>
+  <p:clrMap bg1="lt1" tx1="dk1" bg2="lt2" tx2="dk2" accent1="accent1" accent2="accent2" accent3="accent3" accent4="accent4" accent5="accent5" accent6="accent6" hlink="hlink" folHlink="folHlink"/>
   <p:sldLayoutIdLst>
     <p:sldLayoutId id="2147483649" r:id="rId1"/>
     <p:sldLayoutId id="2147483650" r:id="rId2"/>
@@ -2832,12 +2806,12 @@
   </p:sldLayoutIdLst>
   <p:txStyles>
     <p:titleStyle>
-      <a:lvl1pPr algn="ctr" defTabSz="342900" eaLnBrk="1" hangingPunct="1" latinLnBrk="0" rtl="0">
+      <a:lvl1pPr algn="ctr" defTabSz="342900" rtl="0" eaLnBrk="1" latinLnBrk="0" hangingPunct="1">
         <a:spcBef>
           <a:spcPct val="0"/>
         </a:spcBef>
         <a:buNone/>
-        <a:defRPr kern="1200" sz="3300">
+        <a:defRPr sz="3300" kern="1200">
           <a:solidFill>
             <a:schemeClr val="tx1"/>
           </a:solidFill>
@@ -2848,13 +2822,13 @@
       </a:lvl1pPr>
     </p:titleStyle>
     <p:bodyStyle>
-      <a:lvl1pPr algn="l" defTabSz="342900" eaLnBrk="1" hangingPunct="1" indent="-342900" latinLnBrk="0" marL="342900" rtl="0">
+      <a:lvl1pPr marL="342900" indent="-342900" algn="l" defTabSz="342900" rtl="0" eaLnBrk="1" latinLnBrk="0" hangingPunct="1">
         <a:spcBef>
           <a:spcPct val="20000"/>
         </a:spcBef>
-        <a:buFont typeface="Arial"/>
+        <a:buFont typeface="Arial" panose="020B0604020202090204"/>
         <a:buChar char="•"/>
-        <a:defRPr kern="1200" sz="2400">
+        <a:defRPr sz="2400" kern="1200">
           <a:solidFill>
             <a:schemeClr val="tx1"/>
           </a:solidFill>
@@ -2863,13 +2837,13 @@
           <a:cs typeface="+mn-cs"/>
         </a:defRPr>
       </a:lvl1pPr>
-      <a:lvl2pPr algn="l" defTabSz="342900" eaLnBrk="1" hangingPunct="1" indent="-342900" latinLnBrk="0" marL="685800" rtl="0">
+      <a:lvl2pPr marL="685800" indent="-342900" algn="l" defTabSz="342900" rtl="0" eaLnBrk="1" latinLnBrk="0" hangingPunct="1">
         <a:spcBef>
           <a:spcPct val="20000"/>
         </a:spcBef>
-        <a:buFont typeface="Arial"/>
+        <a:buFont typeface="Arial" panose="020B0604020202090204"/>
         <a:buChar char="–"/>
-        <a:defRPr kern="1200" sz="2100">
+        <a:defRPr sz="2100" kern="1200">
           <a:solidFill>
             <a:schemeClr val="tx1"/>
           </a:solidFill>
@@ -2878,13 +2852,13 @@
           <a:cs typeface="+mn-cs"/>
         </a:defRPr>
       </a:lvl2pPr>
-      <a:lvl3pPr algn="l" defTabSz="342900" eaLnBrk="1" hangingPunct="1" indent="-342900" latinLnBrk="0" marL="1028700" rtl="0">
+      <a:lvl3pPr marL="1028700" indent="-342900" algn="l" defTabSz="342900" rtl="0" eaLnBrk="1" latinLnBrk="0" hangingPunct="1">
         <a:spcBef>
           <a:spcPct val="20000"/>
         </a:spcBef>
-        <a:buFont typeface="Arial"/>
+        <a:buFont typeface="Arial" panose="020B0604020202090204"/>
         <a:buChar char="•"/>
-        <a:defRPr kern="1200" sz="1800">
+        <a:defRPr sz="1800" kern="1200">
           <a:solidFill>
             <a:schemeClr val="tx1"/>
           </a:solidFill>
@@ -2893,13 +2867,13 @@
           <a:cs typeface="+mn-cs"/>
         </a:defRPr>
       </a:lvl3pPr>
-      <a:lvl4pPr algn="l" defTabSz="342900" eaLnBrk="1" hangingPunct="1" indent="-342900" latinLnBrk="0" marL="1371600" rtl="0">
+      <a:lvl4pPr marL="1371600" indent="-342900" algn="l" defTabSz="342900" rtl="0" eaLnBrk="1" latinLnBrk="0" hangingPunct="1">
         <a:spcBef>
           <a:spcPct val="20000"/>
         </a:spcBef>
-        <a:buFont typeface="Arial"/>
+        <a:buFont typeface="Arial" panose="020B0604020202090204"/>
         <a:buChar char="–"/>
-        <a:defRPr kern="1200" sz="1500">
+        <a:defRPr sz="1500" kern="1200">
           <a:solidFill>
             <a:schemeClr val="tx1"/>
           </a:solidFill>
@@ -2908,13 +2882,13 @@
           <a:cs typeface="+mn-cs"/>
         </a:defRPr>
       </a:lvl4pPr>
-      <a:lvl5pPr algn="l" defTabSz="342900" eaLnBrk="1" hangingPunct="1" indent="-342900" latinLnBrk="0" marL="1714500" rtl="0">
+      <a:lvl5pPr marL="1714500" indent="-342900" algn="l" defTabSz="342900" rtl="0" eaLnBrk="1" latinLnBrk="0" hangingPunct="1">
         <a:spcBef>
           <a:spcPct val="20000"/>
         </a:spcBef>
-        <a:buFont typeface="Arial"/>
+        <a:buFont typeface="Arial" panose="020B0604020202090204"/>
         <a:buChar char="»"/>
-        <a:defRPr kern="1200" sz="1500">
+        <a:defRPr sz="1500" kern="1200">
           <a:solidFill>
             <a:schemeClr val="tx1"/>
           </a:solidFill>
@@ -2923,13 +2897,13 @@
           <a:cs typeface="+mn-cs"/>
         </a:defRPr>
       </a:lvl5pPr>
-      <a:lvl6pPr algn="l" defTabSz="342900" eaLnBrk="1" hangingPunct="1" indent="-342900" latinLnBrk="0" marL="2057400" rtl="0">
+      <a:lvl6pPr marL="2057400" indent="-342900" algn="l" defTabSz="342900" rtl="0" eaLnBrk="1" latinLnBrk="0" hangingPunct="1">
         <a:spcBef>
           <a:spcPct val="20000"/>
         </a:spcBef>
-        <a:buFont typeface="Arial"/>
+        <a:buFont typeface="Arial" panose="020B0604020202090204"/>
         <a:buChar char="•"/>
-        <a:defRPr kern="1200" sz="1500">
+        <a:defRPr sz="1500" kern="1200">
           <a:solidFill>
             <a:schemeClr val="tx1"/>
           </a:solidFill>
@@ -2938,13 +2912,13 @@
           <a:cs typeface="+mn-cs"/>
         </a:defRPr>
       </a:lvl6pPr>
-      <a:lvl7pPr algn="l" defTabSz="342900" eaLnBrk="1" hangingPunct="1" indent="-342900" latinLnBrk="0" marL="2400300" rtl="0">
+      <a:lvl7pPr marL="2400300" indent="-342900" algn="l" defTabSz="342900" rtl="0" eaLnBrk="1" latinLnBrk="0" hangingPunct="1">
         <a:spcBef>
           <a:spcPct val="20000"/>
         </a:spcBef>
-        <a:buFont typeface="Arial"/>
+        <a:buFont typeface="Arial" panose="020B0604020202090204"/>
         <a:buChar char="•"/>
-        <a:defRPr kern="1200" sz="1500">
+        <a:defRPr sz="1500" kern="1200">
           <a:solidFill>
             <a:schemeClr val="tx1"/>
           </a:solidFill>
@@ -2953,13 +2927,13 @@
           <a:cs typeface="+mn-cs"/>
         </a:defRPr>
       </a:lvl7pPr>
-      <a:lvl8pPr algn="l" defTabSz="342900" eaLnBrk="1" hangingPunct="1" indent="-342900" latinLnBrk="0" marL="2743200" rtl="0">
+      <a:lvl8pPr marL="2743200" indent="-342900" algn="l" defTabSz="342900" rtl="0" eaLnBrk="1" latinLnBrk="0" hangingPunct="1">
         <a:spcBef>
           <a:spcPct val="20000"/>
         </a:spcBef>
-        <a:buFont typeface="Arial"/>
+        <a:buFont typeface="Arial" panose="020B0604020202090204"/>
         <a:buChar char="•"/>
-        <a:defRPr kern="1200" sz="1500">
+        <a:defRPr sz="1500" kern="1200">
           <a:solidFill>
             <a:schemeClr val="tx1"/>
           </a:solidFill>
@@ -2968,13 +2942,13 @@
           <a:cs typeface="+mn-cs"/>
         </a:defRPr>
       </a:lvl8pPr>
-      <a:lvl9pPr algn="l" defTabSz="342900" eaLnBrk="1" hangingPunct="1" indent="-342900" latinLnBrk="0" marL="3086100" rtl="0">
+      <a:lvl9pPr marL="3086100" indent="-342900" algn="l" defTabSz="342900" rtl="0" eaLnBrk="1" latinLnBrk="0" hangingPunct="1">
         <a:spcBef>
           <a:spcPct val="20000"/>
         </a:spcBef>
-        <a:buFont typeface="Arial"/>
+        <a:buFont typeface="Arial" panose="020B0604020202090204"/>
         <a:buChar char="•"/>
-        <a:defRPr kern="1200" sz="1500">
+        <a:defRPr sz="1500" kern="1200">
           <a:solidFill>
             <a:schemeClr val="tx1"/>
           </a:solidFill>
@@ -2988,8 +2962,8 @@
       <a:defPPr>
         <a:defRPr lang="en-US"/>
       </a:defPPr>
-      <a:lvl1pPr algn="l" defTabSz="342900" eaLnBrk="1" hangingPunct="1" latinLnBrk="0" marL="0" rtl="0">
-        <a:defRPr kern="1200" sz="1350">
+      <a:lvl1pPr marL="0" algn="l" defTabSz="342900" rtl="0" eaLnBrk="1" latinLnBrk="0" hangingPunct="1">
+        <a:defRPr sz="1350" kern="1200">
           <a:solidFill>
             <a:schemeClr val="tx1"/>
           </a:solidFill>
@@ -2998,8 +2972,8 @@
           <a:cs typeface="+mn-cs"/>
         </a:defRPr>
       </a:lvl1pPr>
-      <a:lvl2pPr algn="l" defTabSz="342900" eaLnBrk="1" hangingPunct="1" latinLnBrk="0" marL="342900" rtl="0">
-        <a:defRPr kern="1200" sz="1350">
+      <a:lvl2pPr marL="342900" algn="l" defTabSz="342900" rtl="0" eaLnBrk="1" latinLnBrk="0" hangingPunct="1">
+        <a:defRPr sz="1350" kern="1200">
           <a:solidFill>
             <a:schemeClr val="tx1"/>
           </a:solidFill>
@@ -3008,8 +2982,8 @@
           <a:cs typeface="+mn-cs"/>
         </a:defRPr>
       </a:lvl2pPr>
-      <a:lvl3pPr algn="l" defTabSz="342900" eaLnBrk="1" hangingPunct="1" latinLnBrk="0" marL="685800" rtl="0">
-        <a:defRPr kern="1200" sz="1350">
+      <a:lvl3pPr marL="685800" algn="l" defTabSz="342900" rtl="0" eaLnBrk="1" latinLnBrk="0" hangingPunct="1">
+        <a:defRPr sz="1350" kern="1200">
           <a:solidFill>
             <a:schemeClr val="tx1"/>
           </a:solidFill>
@@ -3018,8 +2992,8 @@
           <a:cs typeface="+mn-cs"/>
         </a:defRPr>
       </a:lvl3pPr>
-      <a:lvl4pPr algn="l" defTabSz="342900" eaLnBrk="1" hangingPunct="1" latinLnBrk="0" marL="1028700" rtl="0">
-        <a:defRPr kern="1200" sz="1350">
+      <a:lvl4pPr marL="1028700" algn="l" defTabSz="342900" rtl="0" eaLnBrk="1" latinLnBrk="0" hangingPunct="1">
+        <a:defRPr sz="1350" kern="1200">
           <a:solidFill>
             <a:schemeClr val="tx1"/>
           </a:solidFill>
@@ -3028,8 +3002,8 @@
           <a:cs typeface="+mn-cs"/>
         </a:defRPr>
       </a:lvl4pPr>
-      <a:lvl5pPr algn="l" defTabSz="342900" eaLnBrk="1" hangingPunct="1" latinLnBrk="0" marL="1371600" rtl="0">
-        <a:defRPr kern="1200" sz="1350">
+      <a:lvl5pPr marL="1371600" algn="l" defTabSz="342900" rtl="0" eaLnBrk="1" latinLnBrk="0" hangingPunct="1">
+        <a:defRPr sz="1350" kern="1200">
           <a:solidFill>
             <a:schemeClr val="tx1"/>
           </a:solidFill>
@@ -3038,8 +3012,8 @@
           <a:cs typeface="+mn-cs"/>
         </a:defRPr>
       </a:lvl5pPr>
-      <a:lvl6pPr algn="l" defTabSz="342900" eaLnBrk="1" hangingPunct="1" latinLnBrk="0" marL="1714500" rtl="0">
-        <a:defRPr kern="1200" sz="1350">
+      <a:lvl6pPr marL="1714500" algn="l" defTabSz="342900" rtl="0" eaLnBrk="1" latinLnBrk="0" hangingPunct="1">
+        <a:defRPr sz="1350" kern="1200">
           <a:solidFill>
             <a:schemeClr val="tx1"/>
           </a:solidFill>
@@ -3048,8 +3022,8 @@
           <a:cs typeface="+mn-cs"/>
         </a:defRPr>
       </a:lvl6pPr>
-      <a:lvl7pPr algn="l" defTabSz="342900" eaLnBrk="1" hangingPunct="1" latinLnBrk="0" marL="2057400" rtl="0">
-        <a:defRPr kern="1200" sz="1350">
+      <a:lvl7pPr marL="2057400" algn="l" defTabSz="342900" rtl="0" eaLnBrk="1" latinLnBrk="0" hangingPunct="1">
+        <a:defRPr sz="1350" kern="1200">
           <a:solidFill>
             <a:schemeClr val="tx1"/>
           </a:solidFill>
@@ -3058,8 +3032,8 @@
           <a:cs typeface="+mn-cs"/>
         </a:defRPr>
       </a:lvl7pPr>
-      <a:lvl8pPr algn="l" defTabSz="342900" eaLnBrk="1" hangingPunct="1" latinLnBrk="0" marL="2400300" rtl="0">
-        <a:defRPr kern="1200" sz="1350">
+      <a:lvl8pPr marL="2400300" algn="l" defTabSz="342900" rtl="0" eaLnBrk="1" latinLnBrk="0" hangingPunct="1">
+        <a:defRPr sz="1350" kern="1200">
           <a:solidFill>
             <a:schemeClr val="tx1"/>
           </a:solidFill>
@@ -3068,8 +3042,8 @@
           <a:cs typeface="+mn-cs"/>
         </a:defRPr>
       </a:lvl8pPr>
-      <a:lvl9pPr algn="l" defTabSz="342900" eaLnBrk="1" hangingPunct="1" latinLnBrk="0" marL="2743200" rtl="0">
-        <a:defRPr kern="1200" sz="1350">
+      <a:lvl9pPr marL="2743200" algn="l" defTabSz="342900" rtl="0" eaLnBrk="1" latinLnBrk="0" hangingPunct="1">
+        <a:defRPr sz="1350" kern="1200">
           <a:solidFill>
             <a:schemeClr val="tx1"/>
           </a:solidFill>
@@ -3120,12 +3094,11 @@
           <a:bodyPr/>
           <a:lstStyle/>
           <a:p>
-            <a:pPr lvl="0" indent="0" marL="0">
+            <a:pPr marL="0" lvl="0" indent="0">
               <a:buNone/>
             </a:pPr>
             <a:r>
-              <a:rPr/>
-              <a:t>My Model Analysis</a:t>
+              <a:t> Model Analysis</a:t>
             </a:r>
           </a:p>
         </p:txBody>
@@ -3137,7 +3110,7 @@
             <a:spLocks noGrp="1"/>
           </p:cNvSpPr>
           <p:nvPr>
-            <p:ph idx="1" type="subTitle"/>
+            <p:ph type="subTitle" idx="1"/>
           </p:nvPr>
         </p:nvSpPr>
         <p:spPr>
@@ -3150,7 +3123,7 @@
           <a:bodyPr/>
           <a:lstStyle/>
           <a:p>
-            <a:pPr lvl="0" indent="0" marL="0">
+            <a:pPr marL="0" lvl="0" indent="0">
               <a:buNone/>
             </a:pPr>
             <a:br/>
@@ -3160,105 +3133,9 @@
       </p:sp>
     </p:spTree>
   </p:cSld>
-</p:sld>
-</file>
-
-<file path=ppt/slides/slide10.xml><?xml version="1.0" encoding="utf-8"?>
-<p:sld xmlns:a="http://schemas.openxmlformats.org/drawingml/2006/main" xmlns:r="http://schemas.openxmlformats.org/officeDocument/2006/relationships" xmlns:p="http://schemas.openxmlformats.org/presentationml/2006/main">
-  <p:cSld>
-    <p:spTree>
-      <p:nvGrpSpPr>
-        <p:cNvPr id="1" name=""/>
-        <p:cNvGrpSpPr/>
-        <p:nvPr/>
-      </p:nvGrpSpPr>
-      <p:grpSpPr>
-        <a:xfrm>
-          <a:off x="0" y="0"/>
-          <a:ext cx="0" cy="0"/>
-          <a:chOff x="0" y="0"/>
-          <a:chExt cx="0" cy="0"/>
-        </a:xfrm>
-      </p:grpSpPr>
-      <p:pic>
-        <p:nvPicPr>
-          <p:cNvPr descr="model3resi.png" id="0" name="Picture 1"/>
-          <p:cNvPicPr>
-            <a:picLocks noGrp="1" noChangeAspect="1"/>
-          </p:cNvPicPr>
-          <p:nvPr/>
-        </p:nvPicPr>
-        <p:blipFill>
-          <a:blip r:embed="rId2"/>
-          <a:stretch>
-            <a:fillRect/>
-          </a:stretch>
-        </p:blipFill>
-        <p:spPr bwMode="auto">
-          <a:xfrm>
-            <a:off x="2501900" y="1193800"/>
-            <a:ext cx="4127500" cy="3390900"/>
-          </a:xfrm>
-          <a:prstGeom prst="rect">
-            <a:avLst/>
-          </a:prstGeom>
-          <a:noFill/>
-          <a:ln w="9525">
-            <a:noFill/>
-            <a:headEnd/>
-            <a:tailEnd/>
-          </a:ln>
-        </p:spPr>
-      </p:pic>
-    </p:spTree>
-  </p:cSld>
-</p:sld>
-</file>
-
-<file path=ppt/slides/slide11.xml><?xml version="1.0" encoding="utf-8"?>
-<p:sld xmlns:a="http://schemas.openxmlformats.org/drawingml/2006/main" xmlns:r="http://schemas.openxmlformats.org/officeDocument/2006/relationships" xmlns:p="http://schemas.openxmlformats.org/presentationml/2006/main">
-  <p:cSld>
-    <p:spTree>
-      <p:nvGrpSpPr>
-        <p:cNvPr id="1" name=""/>
-        <p:cNvGrpSpPr/>
-        <p:nvPr/>
-      </p:nvGrpSpPr>
-      <p:grpSpPr>
-        <a:xfrm>
-          <a:off x="0" y="0"/>
-          <a:ext cx="0" cy="0"/>
-          <a:chOff x="0" y="0"/>
-          <a:chExt cx="0" cy="0"/>
-        </a:xfrm>
-      </p:grpSpPr>
-      <p:sp>
-        <p:nvSpPr>
-          <p:cNvPr id="3" name="Content Placeholder 2"/>
-          <p:cNvSpPr>
-            <a:spLocks noGrp="1"/>
-          </p:cNvSpPr>
-          <p:nvPr>
-            <p:ph idx="1"/>
-          </p:nvPr>
-        </p:nvSpPr>
-        <p:spPr/>
-        <p:txBody>
-          <a:bodyPr/>
-          <a:lstStyle/>
-          <a:p>
-            <a:pPr lvl="0" indent="0" marL="0">
-              <a:buNone/>
-            </a:pPr>
-            <a:r>
-              <a:rPr/>
-              <a:t> Model 3 improves significantly on these issues, showing better normality of residuals and addressing heteroscedasticity. The inverse transformation applied in Model 3 has helped stabilize the variance and improve the overall model fit.</a:t>
-            </a:r>
-          </a:p>
-        </p:txBody>
-      </p:sp>
-    </p:spTree>
-  </p:cSld>
+  <p:clrMapOvr>
+    <a:masterClrMapping/>
+  </p:clrMapOvr>
 </p:sld>
 </file>
 
@@ -3294,11 +3171,10 @@
           <a:bodyPr/>
           <a:lstStyle/>
           <a:p>
-            <a:pPr lvl="0" indent="0" marL="0">
+            <a:pPr marL="0" lvl="0" indent="0">
               <a:buNone/>
             </a:pPr>
             <a:r>
-              <a:rPr/>
               <a:t>Model 2 and Transformation Explanation</a:t>
             </a:r>
           </a:p>
@@ -3321,7 +3197,7 @@
               <a:bodyPr/>
               <a:lstStyle/>
               <a:p>
-                <a:pPr lvl="0" indent="0" marL="0">
+                <a:pPr marL="0" lvl="0" indent="0">
                   <a:spcBef>
                     <a:spcPts val="3000"/>
                   </a:spcBef>
@@ -3331,18 +3207,18 @@
                   <a:rPr b="1"/>
                   <a:t>Model 2 Formula</a:t>
                 </a:r>
+                <a:endParaRPr b="1"/>
               </a:p>
               <a:p>
-                <a:pPr lvl="0" indent="0" marL="0">
+                <a:pPr marL="0" lvl="0" indent="0">
                   <a:buNone/>
                 </a:pPr>
                 <a:r>
-                  <a:rPr/>
                   <a:t>The formula for Model 2 is shown below:</a:t>
                 </a:r>
               </a:p>
               <a:p>
-                <a:pPr lvl="0" indent="0" marL="0">
+                <a:pPr marL="0" lvl="0" indent="0">
                   <a:buNone/>
                 </a:pPr>
                 <a14:m>
@@ -3350,158 +3226,223 @@
                     <m:oMathParaPr>
                       <m:jc m:val="center"/>
                     </m:oMathParaPr>
-                    <m:oMath>
+                    <m:oMath xmlns:m="http://schemas.openxmlformats.org/officeDocument/2006/math">
                       <m:m>
                         <m:mPr>
-                          <m:baseJc m:val="center"/>
-                          <m:plcHide m:val="on"/>
                           <m:mcs>
                             <m:mc>
                               <m:mcPr>
+                                <m:count m:val="1"/>
                                 <m:mcJc m:val="right"/>
-                                <m:count m:val="1"/>
                               </m:mcPr>
                             </m:mc>
                             <m:mc>
                               <m:mcPr>
+                                <m:count m:val="1"/>
                                 <m:mcJc m:val="left"/>
-                                <m:count m:val="1"/>
                               </m:mcPr>
                             </m:mc>
                           </m:mcs>
+                          <m:plcHide m:val="on"/>
+                          <m:ctrlPr>
+                            <a:rPr/>
+                          </m:ctrlPr>
                         </m:mPr>
                         <m:mr>
                           <m:e>
                             <m:r>
                               <m:rPr>
                                 <m:nor/>
-                                <m:sty m:val="p"/>
                               </m:rPr>
+                              <a:rPr>
+                                <a:latin typeface="Cambria Math" charset="0"/>
+                              </a:rPr>
                               <m:t>Ages</m:t>
                             </m:r>
                             <m:r>
-                              <m:rPr>
-                                <m:sty m:val="p"/>
-                              </m:rPr>
+                              <a:rPr>
+                                <a:latin typeface="Cambria Math" charset="0"/>
+                              </a:rPr>
                               <m:t>=</m:t>
                             </m:r>
                           </m:e>
                           <m:e>
                             <m:r>
+                              <a:rPr>
+                                <a:latin typeface="Cambria Math" charset="0"/>
+                              </a:rPr>
                               <m:t> </m:t>
                             </m:r>
                             <m:r>
-                              <m:t>α</m:t>
-                            </m:r>
-                            <m:r>
-                              <m:rPr>
-                                <m:sty m:val="p"/>
-                              </m:rPr>
+                              <a:rPr>
+                                <a:latin typeface="Cambria Math" charset="0"/>
+                              </a:rPr>
+                              <m:t>𝛼</m:t>
+                            </m:r>
+                            <m:r>
+                              <a:rPr>
+                                <a:latin typeface="Cambria Math" charset="0"/>
+                              </a:rPr>
                               <m:t>+</m:t>
                             </m:r>
                             <m:sSub>
+                              <m:sSubPr>
+                                <m:ctrlPr>
+                                  <a:rPr/>
+                                </m:ctrlPr>
+                              </m:sSubPr>
                               <m:e>
                                 <m:r>
-                                  <m:t>β</m:t>
+                                  <a:rPr>
+                                    <a:latin typeface="Cambria Math" charset="0"/>
+                                  </a:rPr>
+                                  <m:t>𝛽</m:t>
                                 </m:r>
                               </m:e>
                               <m:sub>
                                 <m:r>
+                                  <a:rPr>
+                                    <a:latin typeface="Cambria Math" charset="0"/>
+                                  </a:rPr>
                                   <m:t>1</m:t>
                                 </m:r>
                               </m:sub>
                             </m:sSub>
                             <m:r>
-                              <m:rPr>
-                                <m:sty m:val="p"/>
-                              </m:rPr>
+                              <a:rPr>
+                                <a:latin typeface="Cambria Math" charset="0"/>
+                              </a:rPr>
                               <m:t>⋅</m:t>
                             </m:r>
                             <m:sSub>
+                              <m:sSubPr>
+                                <m:ctrlPr>
+                                  <a:rPr/>
+                                </m:ctrlPr>
+                              </m:sSubPr>
                               <m:e>
                                 <m:r>
                                   <m:rPr>
                                     <m:nor/>
-                                    <m:sty m:val="p"/>
                                   </m:rPr>
+                                  <a:rPr>
+                                    <a:latin typeface="Cambria Math" charset="0"/>
+                                  </a:rPr>
                                   <m:t>Sex</m:t>
                                 </m:r>
                               </m:e>
                               <m:sub>
                                 <m:r>
-                                  <m:t>I</m:t>
+                                  <a:rPr>
+                                    <a:latin typeface="Cambria Math" charset="0"/>
+                                  </a:rPr>
+                                  <m:t>𝐼</m:t>
                                 </m:r>
                               </m:sub>
                             </m:sSub>
                             <m:r>
-                              <m:rPr>
-                                <m:sty m:val="p"/>
-                              </m:rPr>
+                              <a:rPr>
+                                <a:latin typeface="Cambria Math" charset="0"/>
+                              </a:rPr>
                               <m:t>+</m:t>
                             </m:r>
                             <m:sSub>
+                              <m:sSubPr>
+                                <m:ctrlPr>
+                                  <a:rPr/>
+                                </m:ctrlPr>
+                              </m:sSubPr>
                               <m:e>
                                 <m:r>
-                                  <m:t>β</m:t>
+                                  <a:rPr>
+                                    <a:latin typeface="Cambria Math" charset="0"/>
+                                  </a:rPr>
+                                  <m:t>𝛽</m:t>
                                 </m:r>
                               </m:e>
                               <m:sub>
                                 <m:r>
+                                  <a:rPr>
+                                    <a:latin typeface="Cambria Math" charset="0"/>
+                                  </a:rPr>
                                   <m:t>2</m:t>
                                 </m:r>
                               </m:sub>
                             </m:sSub>
                             <m:r>
-                              <m:rPr>
-                                <m:sty m:val="p"/>
-                              </m:rPr>
+                              <a:rPr>
+                                <a:latin typeface="Cambria Math" charset="0"/>
+                              </a:rPr>
                               <m:t>⋅</m:t>
                             </m:r>
                             <m:sSub>
+                              <m:sSubPr>
+                                <m:ctrlPr>
+                                  <a:rPr/>
+                                </m:ctrlPr>
+                              </m:sSubPr>
                               <m:e>
                                 <m:r>
                                   <m:rPr>
                                     <m:nor/>
-                                    <m:sty m:val="p"/>
                                   </m:rPr>
+                                  <a:rPr>
+                                    <a:latin typeface="Cambria Math" charset="0"/>
+                                  </a:rPr>
                                   <m:t>Sex</m:t>
                                 </m:r>
                               </m:e>
                               <m:sub>
                                 <m:r>
-                                  <m:t>M</m:t>
+                                  <a:rPr>
+                                    <a:latin typeface="Cambria Math" charset="0"/>
+                                  </a:rPr>
+                                  <m:t>𝑀</m:t>
                                 </m:r>
                               </m:sub>
                             </m:sSub>
                             <m:r>
-                              <m:rPr>
-                                <m:sty m:val="p"/>
-                              </m:rPr>
+                              <a:rPr>
+                                <a:latin typeface="Cambria Math" charset="0"/>
+                              </a:rPr>
                               <m:t>+</m:t>
                             </m:r>
                             <m:sSub>
+                              <m:sSubPr>
+                                <m:ctrlPr>
+                                  <a:rPr/>
+                                </m:ctrlPr>
+                              </m:sSubPr>
                               <m:e>
                                 <m:r>
-                                  <m:t>β</m:t>
+                                  <a:rPr>
+                                    <a:latin typeface="Cambria Math" charset="0"/>
+                                  </a:rPr>
+                                  <m:t>𝛽</m:t>
                                 </m:r>
                               </m:e>
                               <m:sub>
                                 <m:r>
+                                  <a:rPr>
+                                    <a:latin typeface="Cambria Math" charset="0"/>
+                                  </a:rPr>
                                   <m:t>3</m:t>
                                 </m:r>
                               </m:sub>
                             </m:sSub>
                             <m:r>
-                              <m:rPr>
-                                <m:sty m:val="p"/>
-                              </m:rPr>
+                              <a:rPr>
+                                <a:latin typeface="Cambria Math" charset="0"/>
+                              </a:rPr>
                               <m:t>⋅</m:t>
                             </m:r>
                             <m:r>
                               <m:rPr>
                                 <m:nor/>
-                                <m:sty m:val="p"/>
                               </m:rPr>
+                              <a:rPr>
+                                <a:latin typeface="Cambria Math" charset="0"/>
+                              </a:rPr>
                               <m:t>Diameter</m:t>
                             </m:r>
                           </m:e>
@@ -3510,82 +3451,129 @@
                           <m:e/>
                           <m:e>
                             <m:r>
+                              <a:rPr>
+                                <a:latin typeface="Cambria Math" charset="0"/>
+                              </a:rPr>
+                              <m:t>+</m:t>
+                            </m:r>
+                            <m:sSub>
+                              <m:sSubPr>
+                                <m:ctrlPr>
+                                  <a:rPr/>
+                                </m:ctrlPr>
+                              </m:sSubPr>
+                              <m:e>
+                                <m:r>
+                                  <a:rPr>
+                                    <a:latin typeface="Cambria Math" charset="0"/>
+                                  </a:rPr>
+                                  <m:t>𝛽</m:t>
+                                </m:r>
+                              </m:e>
+                              <m:sub>
+                                <m:r>
+                                  <a:rPr>
+                                    <a:latin typeface="Cambria Math" charset="0"/>
+                                  </a:rPr>
+                                  <m:t>4</m:t>
+                                </m:r>
+                              </m:sub>
+                            </m:sSub>
+                            <m:r>
+                              <a:rPr>
+                                <a:latin typeface="Cambria Math" charset="0"/>
+                              </a:rPr>
+                              <m:t>⋅</m:t>
+                            </m:r>
+                            <m:r>
                               <m:rPr>
                                 <m:sty m:val="p"/>
                               </m:rPr>
+                              <a:rPr>
+                                <a:latin typeface="Cambria Math" charset="0"/>
+                              </a:rPr>
+                              <m:t>log</m:t>
+                            </m:r>
+                            <m:d>
+                              <m:dPr>
+                                <m:sepChr m:val=""/>
+                                <m:ctrlPr>
+                                  <a:rPr/>
+                                </m:ctrlPr>
+                              </m:dPr>
+                              <m:e>
+                                <m:r>
+                                  <m:rPr>
+                                    <m:nor/>
+                                  </m:rPr>
+                                  <a:rPr>
+                                    <a:latin typeface="Cambria Math" charset="0"/>
+                                  </a:rPr>
+                                  <m:t>Height</m:t>
+                                </m:r>
+                              </m:e>
+                            </m:d>
+                            <m:r>
+                              <a:rPr>
+                                <a:latin typeface="Cambria Math" charset="0"/>
+                              </a:rPr>
                               <m:t>+</m:t>
                             </m:r>
                             <m:sSub>
+                              <m:sSubPr>
+                                <m:ctrlPr>
+                                  <a:rPr/>
+                                </m:ctrlPr>
+                              </m:sSubPr>
                               <m:e>
                                 <m:r>
-                                  <m:t>β</m:t>
+                                  <a:rPr>
+                                    <a:latin typeface="Cambria Math" charset="0"/>
+                                  </a:rPr>
+                                  <m:t>𝛽</m:t>
                                 </m:r>
                               </m:e>
                               <m:sub>
                                 <m:r>
-                                  <m:t>4</m:t>
+                                  <a:rPr>
+                                    <a:latin typeface="Cambria Math" charset="0"/>
+                                  </a:rPr>
+                                  <m:t>5</m:t>
                                 </m:r>
                               </m:sub>
                             </m:sSub>
                             <m:r>
-                              <m:rPr>
-                                <m:sty m:val="p"/>
-                              </m:rPr>
-                              <m:t>⋅</m:t>
-                            </m:r>
-                            <m:r>
-                              <m:rPr>
-                                <m:sty m:val="p"/>
-                              </m:rPr>
-                              <m:t>log</m:t>
-                            </m:r>
-                            <m:d>
-                              <m:dPr>
-                                <m:begChr m:val="("/>
-                                <m:endChr m:val=")"/>
-                                <m:sepChr m:val=""/>
-                                <m:grow/>
-                              </m:dPr>
-                              <m:e>
-                                <m:r>
-                                  <m:rPr>
-                                    <m:nor/>
-                                    <m:sty m:val="p"/>
-                                  </m:rPr>
-                                  <m:t>Height</m:t>
-                                </m:r>
-                              </m:e>
-                            </m:d>
-                            <m:r>
-                              <m:rPr>
-                                <m:sty m:val="p"/>
-                              </m:rPr>
-                              <m:t>+</m:t>
-                            </m:r>
-                            <m:sSub>
-                              <m:e>
-                                <m:r>
-                                  <m:t>β</m:t>
-                                </m:r>
-                              </m:e>
-                              <m:sub>
-                                <m:r>
-                                  <m:t>5</m:t>
-                                </m:r>
-                              </m:sub>
-                            </m:sSub>
-                            <m:r>
-                              <m:rPr>
-                                <m:sty m:val="p"/>
-                              </m:rPr>
+                              <a:rPr>
+                                <a:latin typeface="Cambria Math" charset="0"/>
+                              </a:rPr>
                               <m:t>⋅</m:t>
                             </m:r>
                             <m:r>
                               <m:rPr>
                                 <m:nor/>
-                                <m:sty m:val="p"/>
                               </m:rPr>
-                              <m:t>Whole_weight</m:t>
+                              <a:rPr>
+                                <a:latin typeface="Cambria Math" charset="0"/>
+                              </a:rPr>
+                              <m:t>Whole</m:t>
+                            </m:r>
+                            <m:r>
+                              <m:rPr>
+                                <m:nor/>
+                              </m:rPr>
+                              <a:rPr>
+                                <a:latin typeface="Cambria Math" charset="0"/>
+                              </a:rPr>
+                              <m:t>_</m:t>
+                            </m:r>
+                            <m:r>
+                              <m:rPr>
+                                <m:nor/>
+                              </m:rPr>
+                              <a:rPr>
+                                <a:latin typeface="Cambria Math" charset="0"/>
+                              </a:rPr>
+                              <m:t>weight</m:t>
                             </m:r>
                           </m:e>
                         </m:mr>
@@ -3593,80 +3581,145 @@
                           <m:e/>
                           <m:e>
                             <m:r>
+                              <a:rPr>
+                                <a:latin typeface="Cambria Math" charset="0"/>
+                              </a:rPr>
+                              <m:t>+</m:t>
+                            </m:r>
+                            <m:sSub>
+                              <m:sSubPr>
+                                <m:ctrlPr>
+                                  <a:rPr/>
+                                </m:ctrlPr>
+                              </m:sSubPr>
+                              <m:e>
+                                <m:r>
+                                  <a:rPr>
+                                    <a:latin typeface="Cambria Math" charset="0"/>
+                                  </a:rPr>
+                                  <m:t>𝛽</m:t>
+                                </m:r>
+                              </m:e>
+                              <m:sub>
+                                <m:r>
+                                  <a:rPr>
+                                    <a:latin typeface="Cambria Math" charset="0"/>
+                                  </a:rPr>
+                                  <m:t>6</m:t>
+                                </m:r>
+                              </m:sub>
+                            </m:sSub>
+                            <m:r>
+                              <a:rPr>
+                                <a:latin typeface="Cambria Math" charset="0"/>
+                              </a:rPr>
+                              <m:t>⋅</m:t>
+                            </m:r>
+                            <m:r>
+                              <m:rPr>
+                                <m:nor/>
+                              </m:rPr>
+                              <a:rPr>
+                                <a:latin typeface="Cambria Math" charset="0"/>
+                              </a:rPr>
+                              <m:t>Shucked</m:t>
+                            </m:r>
+                            <m:r>
+                              <m:rPr>
+                                <m:nor/>
+                              </m:rPr>
+                              <a:rPr>
+                                <a:latin typeface="Cambria Math" charset="0"/>
+                              </a:rPr>
+                              <m:t>_</m:t>
+                            </m:r>
+                            <m:r>
+                              <m:rPr>
+                                <m:nor/>
+                              </m:rPr>
+                              <a:rPr>
+                                <a:latin typeface="Cambria Math" charset="0"/>
+                              </a:rPr>
+                              <m:t>weight</m:t>
+                            </m:r>
+                            <m:r>
+                              <a:rPr>
+                                <a:latin typeface="Cambria Math" charset="0"/>
+                              </a:rPr>
+                              <m:t>+</m:t>
+                            </m:r>
+                            <m:sSub>
+                              <m:sSubPr>
+                                <m:ctrlPr>
+                                  <a:rPr/>
+                                </m:ctrlPr>
+                              </m:sSubPr>
+                              <m:e>
+                                <m:r>
+                                  <a:rPr>
+                                    <a:latin typeface="Cambria Math" charset="0"/>
+                                  </a:rPr>
+                                  <m:t>𝛽</m:t>
+                                </m:r>
+                              </m:e>
+                              <m:sub>
+                                <m:r>
+                                  <a:rPr>
+                                    <a:latin typeface="Cambria Math" charset="0"/>
+                                  </a:rPr>
+                                  <m:t>7</m:t>
+                                </m:r>
+                              </m:sub>
+                            </m:sSub>
+                            <m:r>
+                              <a:rPr>
+                                <a:latin typeface="Cambria Math" charset="0"/>
+                              </a:rPr>
+                              <m:t>⋅</m:t>
+                            </m:r>
+                            <m:r>
                               <m:rPr>
                                 <m:sty m:val="p"/>
                               </m:rPr>
-                              <m:t>+</m:t>
-                            </m:r>
-                            <m:sSub>
-                              <m:e>
-                                <m:r>
-                                  <m:t>β</m:t>
-                                </m:r>
-                              </m:e>
-                              <m:sub>
-                                <m:r>
-                                  <m:t>6</m:t>
-                                </m:r>
-                              </m:sub>
-                            </m:sSub>
-                            <m:r>
-                              <m:rPr>
-                                <m:sty m:val="p"/>
-                              </m:rPr>
-                              <m:t>⋅</m:t>
-                            </m:r>
-                            <m:r>
-                              <m:rPr>
-                                <m:nor/>
-                                <m:sty m:val="p"/>
-                              </m:rPr>
-                              <m:t>Shucked_weight</m:t>
-                            </m:r>
-                            <m:r>
-                              <m:rPr>
-                                <m:sty m:val="p"/>
-                              </m:rPr>
-                              <m:t>+</m:t>
-                            </m:r>
-                            <m:sSub>
-                              <m:e>
-                                <m:r>
-                                  <m:t>β</m:t>
-                                </m:r>
-                              </m:e>
-                              <m:sub>
-                                <m:r>
-                                  <m:t>7</m:t>
-                                </m:r>
-                              </m:sub>
-                            </m:sSub>
-                            <m:r>
-                              <m:rPr>
-                                <m:sty m:val="p"/>
-                              </m:rPr>
-                              <m:t>⋅</m:t>
-                            </m:r>
-                            <m:r>
-                              <m:rPr>
-                                <m:sty m:val="p"/>
-                              </m:rPr>
+                              <a:rPr>
+                                <a:latin typeface="Cambria Math" charset="0"/>
+                              </a:rPr>
                               <m:t>log</m:t>
                             </m:r>
                             <m:d>
                               <m:dPr>
-                                <m:begChr m:val="("/>
-                                <m:endChr m:val=")"/>
                                 <m:sepChr m:val=""/>
-                                <m:grow/>
+                                <m:ctrlPr>
+                                  <a:rPr/>
+                                </m:ctrlPr>
                               </m:dPr>
                               <m:e>
                                 <m:r>
                                   <m:rPr>
                                     <m:nor/>
-                                    <m:sty m:val="p"/>
                                   </m:rPr>
-                                  <m:t>Viscera_weight</m:t>
+                                  <a:rPr>
+                                    <a:latin typeface="Cambria Math" charset="0"/>
+                                  </a:rPr>
+                                  <m:t>Viscera</m:t>
+                                </m:r>
+                                <m:r>
+                                  <m:rPr>
+                                    <m:nor/>
+                                  </m:rPr>
+                                  <a:rPr>
+                                    <a:latin typeface="Cambria Math" charset="0"/>
+                                  </a:rPr>
+                                  <m:t>_</m:t>
+                                </m:r>
+                                <m:r>
+                                  <m:rPr>
+                                    <m:nor/>
+                                  </m:rPr>
+                                  <a:rPr>
+                                    <a:latin typeface="Cambria Math" charset="0"/>
+                                  </a:rPr>
+                                  <m:t>weight</m:t>
                                 </m:r>
                               </m:e>
                             </m:d>
@@ -3676,60 +3729,97 @@
                           <m:e/>
                           <m:e>
                             <m:r>
+                              <a:rPr>
+                                <a:latin typeface="Cambria Math" charset="0"/>
+                              </a:rPr>
+                              <m:t>+</m:t>
+                            </m:r>
+                            <m:sSub>
+                              <m:sSubPr>
+                                <m:ctrlPr>
+                                  <a:rPr/>
+                                </m:ctrlPr>
+                              </m:sSubPr>
+                              <m:e>
+                                <m:r>
+                                  <a:rPr>
+                                    <a:latin typeface="Cambria Math" charset="0"/>
+                                  </a:rPr>
+                                  <m:t>𝛽</m:t>
+                                </m:r>
+                              </m:e>
+                              <m:sub>
+                                <m:r>
+                                  <a:rPr>
+                                    <a:latin typeface="Cambria Math" charset="0"/>
+                                  </a:rPr>
+                                  <m:t>8</m:t>
+                                </m:r>
+                              </m:sub>
+                            </m:sSub>
+                            <m:r>
+                              <a:rPr>
+                                <a:latin typeface="Cambria Math" charset="0"/>
+                              </a:rPr>
+                              <m:t>⋅</m:t>
+                            </m:r>
+                            <m:r>
                               <m:rPr>
                                 <m:sty m:val="p"/>
                               </m:rPr>
-                              <m:t>+</m:t>
-                            </m:r>
-                            <m:sSub>
-                              <m:e>
-                                <m:r>
-                                  <m:t>β</m:t>
-                                </m:r>
-                              </m:e>
-                              <m:sub>
-                                <m:r>
-                                  <m:t>8</m:t>
-                                </m:r>
-                              </m:sub>
-                            </m:sSub>
-                            <m:r>
-                              <m:rPr>
-                                <m:sty m:val="p"/>
-                              </m:rPr>
-                              <m:t>⋅</m:t>
-                            </m:r>
-                            <m:r>
-                              <m:rPr>
-                                <m:sty m:val="p"/>
-                              </m:rPr>
+                              <a:rPr>
+                                <a:latin typeface="Cambria Math" charset="0"/>
+                              </a:rPr>
                               <m:t>log</m:t>
                             </m:r>
                             <m:d>
                               <m:dPr>
-                                <m:begChr m:val="("/>
-                                <m:endChr m:val=")"/>
                                 <m:sepChr m:val=""/>
-                                <m:grow/>
+                                <m:ctrlPr>
+                                  <a:rPr/>
+                                </m:ctrlPr>
                               </m:dPr>
                               <m:e>
                                 <m:r>
                                   <m:rPr>
                                     <m:nor/>
-                                    <m:sty m:val="p"/>
                                   </m:rPr>
-                                  <m:t>Shell_weight</m:t>
+                                  <a:rPr>
+                                    <a:latin typeface="Cambria Math" charset="0"/>
+                                  </a:rPr>
+                                  <m:t>Shell</m:t>
+                                </m:r>
+                                <m:r>
+                                  <m:rPr>
+                                    <m:nor/>
+                                  </m:rPr>
+                                  <a:rPr>
+                                    <a:latin typeface="Cambria Math" charset="0"/>
+                                  </a:rPr>
+                                  <m:t>_</m:t>
+                                </m:r>
+                                <m:r>
+                                  <m:rPr>
+                                    <m:nor/>
+                                  </m:rPr>
+                                  <a:rPr>
+                                    <a:latin typeface="Cambria Math" charset="0"/>
+                                  </a:rPr>
+                                  <m:t>weight</m:t>
                                 </m:r>
                               </m:e>
                             </m:d>
                             <m:r>
-                              <m:rPr>
-                                <m:sty m:val="p"/>
-                              </m:rPr>
+                              <a:rPr>
+                                <a:latin typeface="Cambria Math" charset="0"/>
+                              </a:rPr>
                               <m:t>+</m:t>
                             </m:r>
                             <m:r>
-                              <m:t>ϵ</m:t>
+                              <a:rPr>
+                                <a:latin typeface="Cambria Math" charset="0"/>
+                              </a:rPr>
+                              <m:t>𝜖</m:t>
                             </m:r>
                           </m:e>
                         </m:mr>
@@ -3739,20 +3829,55 @@
                 </a14:m>
               </a:p>
               <a:p>
-                <a:pPr lvl="0" indent="0" marL="0">
+                <a:pPr marL="0" lvl="0" indent="0">
                   <a:buNone/>
                 </a:pPr>
                 <a:r>
-                  <a:rPr/>
                   <a:t>The transformation in Model 2 is primarily aimed at improving the model’s ability to meet the assumptions of linear regression, specifically:Linearity, Reducing Skewness, Homoscedasticity, Normality of Residuals.</a:t>
                 </a:r>
               </a:p>
             </p:txBody>
           </p:sp>
         </mc:Choice>
+        <mc:Fallback>
+          <p:sp>
+            <p:nvSpPr>
+              <p:cNvPr id="3" name="Content Placeholder 2"/>
+              <p:cNvSpPr>
+                <a:spLocks noRot="1" noChangeAspect="1" noMove="1" noResize="1" noEditPoints="1" noAdjustHandles="1" noChangeArrowheads="1" noChangeShapeType="1" noTextEdit="1"/>
+              </p:cNvSpPr>
+              <p:nvPr>
+                <p:ph idx="1"/>
+              </p:nvPr>
+            </p:nvSpPr>
+            <p:spPr>
+              <a:blipFill rotWithShape="1">
+                <a:blip r:embed="rId1"/>
+                <a:stretch>
+                  <a:fillRect b="-14000"/>
+                </a:stretch>
+              </a:blipFill>
+            </p:spPr>
+            <p:txBody>
+              <a:bodyPr/>
+              <a:lstStyle/>
+              <a:p>
+                <a:r>
+                  <a:rPr lang="zh-CN" altLang="en-US">
+                    <a:noFill/>
+                  </a:rPr>
+                  <a:t> </a:t>
+                </a:r>
+              </a:p>
+            </p:txBody>
+          </p:sp>
+        </mc:Fallback>
       </mc:AlternateContent>
     </p:spTree>
   </p:cSld>
+  <p:clrMapOvr>
+    <a:masterClrMapping/>
+  </p:clrMapOvr>
 </p:sld>
 </file>
 
@@ -3788,11 +3913,10 @@
           <a:bodyPr/>
           <a:lstStyle/>
           <a:p>
-            <a:pPr lvl="0" indent="0" marL="0">
+            <a:pPr marL="0" lvl="0" indent="0">
               <a:buNone/>
             </a:pPr>
             <a:r>
-              <a:rPr/>
               <a:t>model 2 Linearity check</a:t>
             </a:r>
           </a:p>
@@ -3800,21 +3924,21 @@
       </p:sp>
       <p:pic>
         <p:nvPicPr>
-          <p:cNvPr descr="model2check.png" id="0" name="Picture 1"/>
+          <p:cNvPr id="3" name="Picture 1" descr="model2check.png"/>
           <p:cNvPicPr>
             <a:picLocks noGrp="1" noChangeAspect="1"/>
           </p:cNvPicPr>
           <p:nvPr/>
         </p:nvPicPr>
         <p:blipFill>
-          <a:blip r:embed="rId2"/>
+          <a:blip r:embed="rId1"/>
           <a:stretch>
             <a:fillRect/>
           </a:stretch>
         </p:blipFill>
         <p:spPr bwMode="auto">
           <a:xfrm>
-            <a:off x="2501900" y="1193800"/>
+            <a:off x="346075" y="1193800"/>
             <a:ext cx="4127500" cy="3390900"/>
           </a:xfrm>
           <a:prstGeom prst="rect">
@@ -3823,13 +3947,50 @@
           <a:noFill/>
           <a:ln w="9525">
             <a:noFill/>
-            <a:headEnd/>
-            <a:tailEnd/>
           </a:ln>
         </p:spPr>
       </p:pic>
+      <p:sp>
+        <p:nvSpPr>
+          <p:cNvPr id="4" name="文本框 3"/>
+          <p:cNvSpPr txBox="1"/>
+          <p:nvPr/>
+        </p:nvSpPr>
+        <p:spPr>
+          <a:xfrm>
+            <a:off x="5210810" y="1465580"/>
+            <a:ext cx="3032760" cy="2030095"/>
+          </a:xfrm>
+          <a:prstGeom prst="rect">
+            <a:avLst/>
+          </a:prstGeom>
+          <a:noFill/>
+        </p:spPr>
+        <p:txBody>
+          <a:bodyPr wrap="square" rtlCol="0">
+            <a:spAutoFit/>
+          </a:bodyPr>
+          <a:p>
+            <a:r>
+              <a:rPr>
+                <a:sym typeface="+mn-ea"/>
+              </a:rPr>
+              <a:t>The log-transformed predictor variables generally exhibit a linear relationship with Ages, as expected in a linear regression model.</a:t>
+            </a:r>
+            <a:endParaRPr>
+              <a:sym typeface="+mn-ea"/>
+            </a:endParaRPr>
+          </a:p>
+          <a:p>
+            <a:endParaRPr lang="zh-CN" altLang="en-US"/>
+          </a:p>
+        </p:txBody>
+      </p:sp>
     </p:spTree>
   </p:cSld>
+  <p:clrMapOvr>
+    <a:masterClrMapping/>
+  </p:clrMapOvr>
 </p:sld>
 </file>
 
@@ -3852,12 +4013,12 @@
       </p:grpSpPr>
       <p:sp>
         <p:nvSpPr>
-          <p:cNvPr id="3" name="Content Placeholder 2"/>
-          <p:cNvSpPr>
-            <a:spLocks noGrp="1"/>
-          </p:cNvSpPr>
-          <p:nvPr>
-            <p:ph idx="1"/>
+          <p:cNvPr id="2" name="Title 1"/>
+          <p:cNvSpPr>
+            <a:spLocks noGrp="1"/>
+          </p:cNvSpPr>
+          <p:nvPr>
+            <p:ph type="title"/>
           </p:nvPr>
         </p:nvSpPr>
         <p:spPr/>
@@ -3865,68 +4026,46 @@
           <a:bodyPr/>
           <a:lstStyle/>
           <a:p>
-            <a:pPr lvl="0" indent="0" marL="0">
+            <a:pPr marL="0" lvl="0" indent="0">
               <a:buNone/>
             </a:pPr>
-            <a:r>
-              <a:rPr/>
-              <a:t>The log-transformed predictor variables generally exhibit a linear relationship with Ages, as expected in a linear regression model.</a:t>
-            </a:r>
-          </a:p>
-        </p:txBody>
-      </p:sp>
-    </p:spTree>
-  </p:cSld>
-</p:sld>
-</file>
-
-<file path=ppt/slides/slide5.xml><?xml version="1.0" encoding="utf-8"?>
-<p:sld xmlns:a="http://schemas.openxmlformats.org/drawingml/2006/main" xmlns:r="http://schemas.openxmlformats.org/officeDocument/2006/relationships" xmlns:p="http://schemas.openxmlformats.org/presentationml/2006/main">
-  <p:cSld>
-    <p:spTree>
-      <p:nvGrpSpPr>
-        <p:cNvPr id="1" name=""/>
-        <p:cNvGrpSpPr/>
-        <p:nvPr/>
-      </p:nvGrpSpPr>
-      <p:grpSpPr>
-        <a:xfrm>
-          <a:off x="0" y="0"/>
-          <a:ext cx="0" cy="0"/>
-          <a:chOff x="0" y="0"/>
-          <a:chExt cx="0" cy="0"/>
-        </a:xfrm>
-      </p:grpSpPr>
-      <p:sp>
-        <p:nvSpPr>
-          <p:cNvPr id="2" name="Title 1"/>
-          <p:cNvSpPr>
-            <a:spLocks noGrp="1"/>
-          </p:cNvSpPr>
-          <p:nvPr>
-            <p:ph type="title"/>
-          </p:nvPr>
-        </p:nvSpPr>
-        <p:spPr/>
-        <p:txBody>
-          <a:bodyPr/>
-          <a:lstStyle/>
-          <a:p>
-            <a:pPr lvl="0" indent="0" marL="0">
-              <a:buNone/>
-            </a:pPr>
-            <a:r>
-              <a:rPr/>
-              <a:t>A3-A4 Transfer to Model 3</a:t>
-            </a:r>
+            <a:endParaRPr lang="zh-CN"/>
           </a:p>
         </p:txBody>
       </p:sp>
       <p:pic>
         <p:nvPicPr>
-          <p:cNvPr descr="model2qq.png" id="0" name="Picture 1"/>
+          <p:cNvPr id="3" name="Picture 1" descr="model2qq.png"/>
           <p:cNvPicPr>
             <a:picLocks noGrp="1" noChangeAspect="1"/>
+          </p:cNvPicPr>
+          <p:nvPr/>
+        </p:nvPicPr>
+        <p:blipFill>
+          <a:blip r:embed="rId1"/>
+          <a:stretch>
+            <a:fillRect/>
+          </a:stretch>
+        </p:blipFill>
+        <p:spPr bwMode="auto">
+          <a:xfrm>
+            <a:off x="0" y="264160"/>
+            <a:ext cx="4449445" cy="3655695"/>
+          </a:xfrm>
+          <a:prstGeom prst="rect">
+            <a:avLst/>
+          </a:prstGeom>
+          <a:noFill/>
+          <a:ln w="9525">
+            <a:noFill/>
+          </a:ln>
+        </p:spPr>
+      </p:pic>
+      <p:pic>
+        <p:nvPicPr>
+          <p:cNvPr id="5" name="图片 4" descr="model2resi"/>
+          <p:cNvPicPr>
+            <a:picLocks noChangeAspect="1"/>
           </p:cNvPicPr>
           <p:nvPr/>
         </p:nvPicPr>
@@ -3936,28 +4075,56 @@
             <a:fillRect/>
           </a:stretch>
         </p:blipFill>
-        <p:spPr bwMode="auto">
+        <p:spPr>
           <a:xfrm>
-            <a:off x="2501900" y="1193800"/>
-            <a:ext cx="4127500" cy="3390900"/>
+            <a:off x="4449445" y="314960"/>
+            <a:ext cx="4375150" cy="3594735"/>
+          </a:xfrm>
+          <a:prstGeom prst="rect">
+            <a:avLst/>
+          </a:prstGeom>
+        </p:spPr>
+      </p:pic>
+      <p:sp>
+        <p:nvSpPr>
+          <p:cNvPr id="6" name="文本框 5"/>
+          <p:cNvSpPr txBox="1"/>
+          <p:nvPr/>
+        </p:nvSpPr>
+        <p:spPr>
+          <a:xfrm>
+            <a:off x="554990" y="3909695"/>
+            <a:ext cx="7844155" cy="922020"/>
           </a:xfrm>
           <a:prstGeom prst="rect">
             <a:avLst/>
           </a:prstGeom>
           <a:noFill/>
-          <a:ln w="9525">
-            <a:noFill/>
-            <a:headEnd/>
-            <a:tailEnd/>
-          </a:ln>
         </p:spPr>
-      </p:pic>
+        <p:txBody>
+          <a:bodyPr wrap="square" rtlCol="0">
+            <a:spAutoFit/>
+          </a:bodyPr>
+          <a:p>
+            <a:r>
+              <a:rPr>
+                <a:sym typeface="+mn-ea"/>
+              </a:rPr>
+              <a:t>Model 2 exhibits problems with non-normal residuals (especially in the tails) and heteroscedasticity, as seen in both the QQ plot and residuals vs fitted plot. This suggests that the assumptions of linear regression are violated. </a:t>
+            </a:r>
+            <a:endParaRPr lang="zh-CN" altLang="en-US"/>
+          </a:p>
+        </p:txBody>
+      </p:sp>
     </p:spTree>
   </p:cSld>
+  <p:clrMapOvr>
+    <a:masterClrMapping/>
+  </p:clrMapOvr>
 </p:sld>
 </file>
 
-<file path=ppt/slides/slide6.xml><?xml version="1.0" encoding="utf-8"?>
+<file path=ppt/slides/slide5.xml><?xml version="1.0" encoding="utf-8"?>
 <p:sld xmlns:a="http://schemas.openxmlformats.org/drawingml/2006/main" xmlns:r="http://schemas.openxmlformats.org/officeDocument/2006/relationships" xmlns:p="http://schemas.openxmlformats.org/presentationml/2006/main">
   <p:cSld>
     <p:spTree>
@@ -3986,30 +4153,25 @@
                 <p:ph idx="1"/>
               </p:nvPr>
             </p:nvSpPr>
-            <p:spPr/>
+            <p:spPr>
+              <a:xfrm>
+                <a:off x="379095" y="133351"/>
+                <a:ext cx="8229600" cy="3394472"/>
+              </a:xfrm>
+            </p:spPr>
             <p:txBody>
               <a:bodyPr/>
               <a:lstStyle/>
               <a:p>
-                <a:pPr lvl="0" indent="0" marL="0">
+                <a:pPr marL="0" lvl="0" indent="0">
                   <a:buNone/>
                 </a:pPr>
                 <a:r>
-                  <a:rPr/>
                   <a:t> </a:t>
                 </a:r>
               </a:p>
               <a:p>
-                <a:pPr lvl="0" indent="0" marL="0">
-                  <a:buNone/>
-                </a:pPr>
-                <a:r>
-                  <a:rPr/>
-                  <a:t>Model 2 exhibits problems with non-normal residuals (especially in the tails) and heteroscedasticity, as seen in both the QQ plot and residuals vs fitted plot. This suggests that the assumptions of linear regression are violated. # Model 3 and Transformation Explanation</a:t>
-                </a:r>
-              </a:p>
-              <a:p>
-                <a:pPr lvl="0" indent="0" marL="0">
+                <a:pPr marL="0" lvl="0" indent="0">
                   <a:spcBef>
                     <a:spcPts val="3000"/>
                   </a:spcBef>
@@ -4019,13 +4181,13 @@
                   <a:rPr b="1"/>
                   <a:t>Model 3 Formula</a:t>
                 </a:r>
+                <a:endParaRPr b="1"/>
               </a:p>
               <a:p>
-                <a:pPr lvl="0" indent="0" marL="0">
+                <a:pPr marL="0" lvl="0" indent="0">
                   <a:buNone/>
                 </a:pPr>
                 <a:r>
-                  <a:rPr/>
                   <a:t>The formula for </a:t>
                 </a:r>
                 <a:r>
@@ -4033,7 +4195,6 @@
                   <a:t>Model 3</a:t>
                 </a:r>
                 <a:r>
-                  <a:rPr/>
                   <a:t> with the inverse of </a:t>
                 </a:r>
                 <a:r>
@@ -4041,12 +4202,11 @@
                   <a:t>Ages</a:t>
                 </a:r>
                 <a:r>
-                  <a:rPr/>
                   <a:t> as the response variable is shown below:</a:t>
                 </a:r>
               </a:p>
               <a:p>
-                <a:pPr lvl="0" indent="0" marL="0">
+                <a:pPr marL="0" lvl="0" indent="0">
                   <a:buNone/>
                 </a:pPr>
                 <a14:m>
@@ -4054,34 +4214,41 @@
                     <m:oMathParaPr>
                       <m:jc m:val="center"/>
                     </m:oMathParaPr>
-                    <m:oMath>
+                    <m:oMath xmlns:m="http://schemas.openxmlformats.org/officeDocument/2006/math">
                       <m:m>
                         <m:mPr>
-                          <m:baseJc m:val="center"/>
-                          <m:plcHide m:val="on"/>
                           <m:mcs>
                             <m:mc>
                               <m:mcPr>
+                                <m:count m:val="1"/>
                                 <m:mcJc m:val="right"/>
-                                <m:count m:val="1"/>
                               </m:mcPr>
                             </m:mc>
                             <m:mc>
                               <m:mcPr>
+                                <m:count m:val="1"/>
                                 <m:mcJc m:val="left"/>
-                                <m:count m:val="1"/>
                               </m:mcPr>
                             </m:mc>
                           </m:mcs>
+                          <m:plcHide m:val="on"/>
+                          <m:ctrlPr>
+                            <a:rPr/>
+                          </m:ctrlPr>
                         </m:mPr>
                         <m:mr>
                           <m:e>
                             <m:f>
                               <m:fPr>
-                                <m:type m:val="bar"/>
+                                <m:ctrlPr>
+                                  <a:rPr/>
+                                </m:ctrlPr>
                               </m:fPr>
                               <m:num>
                                 <m:r>
+                                  <a:rPr>
+                                    <a:latin typeface="Cambria Math" charset="0"/>
+                                  </a:rPr>
                                   <m:t>1</m:t>
                                 </m:r>
                               </m:num>
@@ -4089,149 +4256,215 @@
                                 <m:r>
                                   <m:rPr>
                                     <m:nor/>
-                                    <m:sty m:val="p"/>
                                   </m:rPr>
+                                  <a:rPr>
+                                    <a:latin typeface="Cambria Math" charset="0"/>
+                                  </a:rPr>
                                   <m:t>Ages</m:t>
                                 </m:r>
                               </m:den>
                             </m:f>
+                            <m:r>
+                              <a:rPr>
+                                <a:latin typeface="Cambria Math" charset="0"/>
+                              </a:rPr>
+                              <m:t>=</m:t>
+                            </m:r>
+                          </m:e>
+                          <m:e>
+                            <m:r>
+                              <a:rPr>
+                                <a:latin typeface="Cambria Math" charset="0"/>
+                              </a:rPr>
+                              <m:t> </m:t>
+                            </m:r>
+                            <m:r>
+                              <a:rPr>
+                                <a:latin typeface="Cambria Math" charset="0"/>
+                              </a:rPr>
+                              <m:t>𝛼</m:t>
+                            </m:r>
+                            <m:r>
+                              <a:rPr>
+                                <a:latin typeface="Cambria Math" charset="0"/>
+                              </a:rPr>
+                              <m:t>+</m:t>
+                            </m:r>
+                            <m:sSub>
+                              <m:sSubPr>
+                                <m:ctrlPr>
+                                  <a:rPr/>
+                                </m:ctrlPr>
+                              </m:sSubPr>
+                              <m:e>
+                                <m:r>
+                                  <a:rPr>
+                                    <a:latin typeface="Cambria Math" charset="0"/>
+                                  </a:rPr>
+                                  <m:t>𝛽</m:t>
+                                </m:r>
+                              </m:e>
+                              <m:sub>
+                                <m:r>
+                                  <a:rPr>
+                                    <a:latin typeface="Cambria Math" charset="0"/>
+                                  </a:rPr>
+                                  <m:t>1</m:t>
+                                </m:r>
+                              </m:sub>
+                            </m:sSub>
+                            <m:r>
+                              <a:rPr>
+                                <a:latin typeface="Cambria Math" charset="0"/>
+                              </a:rPr>
+                              <m:t>⋅</m:t>
+                            </m:r>
+                            <m:sSub>
+                              <m:sSubPr>
+                                <m:ctrlPr>
+                                  <a:rPr/>
+                                </m:ctrlPr>
+                              </m:sSubPr>
+                              <m:e>
+                                <m:r>
+                                  <m:rPr>
+                                    <m:nor/>
+                                  </m:rPr>
+                                  <a:rPr>
+                                    <a:latin typeface="Cambria Math" charset="0"/>
+                                  </a:rPr>
+                                  <m:t>Sex</m:t>
+                                </m:r>
+                              </m:e>
+                              <m:sub>
+                                <m:r>
+                                  <a:rPr>
+                                    <a:latin typeface="Cambria Math" charset="0"/>
+                                  </a:rPr>
+                                  <m:t>𝐼</m:t>
+                                </m:r>
+                              </m:sub>
+                            </m:sSub>
+                            <m:r>
+                              <a:rPr>
+                                <a:latin typeface="Cambria Math" charset="0"/>
+                              </a:rPr>
+                              <m:t>+</m:t>
+                            </m:r>
+                            <m:sSub>
+                              <m:sSubPr>
+                                <m:ctrlPr>
+                                  <a:rPr/>
+                                </m:ctrlPr>
+                              </m:sSubPr>
+                              <m:e>
+                                <m:r>
+                                  <a:rPr>
+                                    <a:latin typeface="Cambria Math" charset="0"/>
+                                  </a:rPr>
+                                  <m:t>𝛽</m:t>
+                                </m:r>
+                              </m:e>
+                              <m:sub>
+                                <m:r>
+                                  <a:rPr>
+                                    <a:latin typeface="Cambria Math" charset="0"/>
+                                  </a:rPr>
+                                  <m:t>2</m:t>
+                                </m:r>
+                              </m:sub>
+                            </m:sSub>
+                            <m:r>
+                              <a:rPr>
+                                <a:latin typeface="Cambria Math" charset="0"/>
+                              </a:rPr>
+                              <m:t>⋅</m:t>
+                            </m:r>
+                            <m:sSub>
+                              <m:sSubPr>
+                                <m:ctrlPr>
+                                  <a:rPr/>
+                                </m:ctrlPr>
+                              </m:sSubPr>
+                              <m:e>
+                                <m:r>
+                                  <m:rPr>
+                                    <m:nor/>
+                                  </m:rPr>
+                                  <a:rPr>
+                                    <a:latin typeface="Cambria Math" charset="0"/>
+                                  </a:rPr>
+                                  <m:t>Sex</m:t>
+                                </m:r>
+                              </m:e>
+                              <m:sub>
+                                <m:r>
+                                  <a:rPr>
+                                    <a:latin typeface="Cambria Math" charset="0"/>
+                                  </a:rPr>
+                                  <m:t>𝑀</m:t>
+                                </m:r>
+                              </m:sub>
+                            </m:sSub>
+                            <m:r>
+                              <a:rPr>
+                                <a:latin typeface="Cambria Math" charset="0"/>
+                              </a:rPr>
+                              <m:t>+</m:t>
+                            </m:r>
+                            <m:sSub>
+                              <m:sSubPr>
+                                <m:ctrlPr>
+                                  <a:rPr/>
+                                </m:ctrlPr>
+                              </m:sSubPr>
+                              <m:e>
+                                <m:r>
+                                  <a:rPr>
+                                    <a:latin typeface="Cambria Math" charset="0"/>
+                                  </a:rPr>
+                                  <m:t>𝛽</m:t>
+                                </m:r>
+                              </m:e>
+                              <m:sub>
+                                <m:r>
+                                  <a:rPr>
+                                    <a:latin typeface="Cambria Math" charset="0"/>
+                                  </a:rPr>
+                                  <m:t>3</m:t>
+                                </m:r>
+                              </m:sub>
+                            </m:sSub>
+                            <m:r>
+                              <a:rPr>
+                                <a:latin typeface="Cambria Math" charset="0"/>
+                              </a:rPr>
+                              <m:t>⋅</m:t>
+                            </m:r>
                             <m:r>
                               <m:rPr>
                                 <m:sty m:val="p"/>
                               </m:rPr>
-                              <m:t>=</m:t>
-                            </m:r>
-                          </m:e>
-                          <m:e>
-                            <m:r>
-                              <m:t> </m:t>
-                            </m:r>
-                            <m:r>
-                              <m:t>α</m:t>
-                            </m:r>
-                            <m:r>
-                              <m:rPr>
-                                <m:sty m:val="p"/>
-                              </m:rPr>
-                              <m:t>+</m:t>
-                            </m:r>
-                            <m:sSub>
-                              <m:e>
-                                <m:r>
-                                  <m:t>β</m:t>
-                                </m:r>
-                              </m:e>
-                              <m:sub>
-                                <m:r>
-                                  <m:t>1</m:t>
-                                </m:r>
-                              </m:sub>
-                            </m:sSub>
-                            <m:r>
-                              <m:rPr>
-                                <m:sty m:val="p"/>
-                              </m:rPr>
-                              <m:t>⋅</m:t>
-                            </m:r>
-                            <m:sSub>
+                              <a:rPr>
+                                <a:latin typeface="Cambria Math" charset="0"/>
+                              </a:rPr>
+                              <m:t>log</m:t>
+                            </m:r>
+                            <m:d>
+                              <m:dPr>
+                                <m:sepChr m:val=""/>
+                                <m:ctrlPr>
+                                  <a:rPr/>
+                                </m:ctrlPr>
+                              </m:dPr>
                               <m:e>
                                 <m:r>
                                   <m:rPr>
                                     <m:nor/>
-                                    <m:sty m:val="p"/>
                                   </m:rPr>
-                                  <m:t>Sex</m:t>
-                                </m:r>
-                              </m:e>
-                              <m:sub>
-                                <m:r>
-                                  <m:t>I</m:t>
-                                </m:r>
-                              </m:sub>
-                            </m:sSub>
-                            <m:r>
-                              <m:rPr>
-                                <m:sty m:val="p"/>
-                              </m:rPr>
-                              <m:t>+</m:t>
-                            </m:r>
-                            <m:sSub>
-                              <m:e>
-                                <m:r>
-                                  <m:t>β</m:t>
-                                </m:r>
-                              </m:e>
-                              <m:sub>
-                                <m:r>
-                                  <m:t>2</m:t>
-                                </m:r>
-                              </m:sub>
-                            </m:sSub>
-                            <m:r>
-                              <m:rPr>
-                                <m:sty m:val="p"/>
-                              </m:rPr>
-                              <m:t>⋅</m:t>
-                            </m:r>
-                            <m:sSub>
-                              <m:e>
-                                <m:r>
-                                  <m:rPr>
-                                    <m:nor/>
-                                    <m:sty m:val="p"/>
-                                  </m:rPr>
-                                  <m:t>Sex</m:t>
-                                </m:r>
-                              </m:e>
-                              <m:sub>
-                                <m:r>
-                                  <m:t>M</m:t>
-                                </m:r>
-                              </m:sub>
-                            </m:sSub>
-                            <m:r>
-                              <m:rPr>
-                                <m:sty m:val="p"/>
-                              </m:rPr>
-                              <m:t>+</m:t>
-                            </m:r>
-                            <m:sSub>
-                              <m:e>
-                                <m:r>
-                                  <m:t>β</m:t>
-                                </m:r>
-                              </m:e>
-                              <m:sub>
-                                <m:r>
-                                  <m:t>3</m:t>
-                                </m:r>
-                              </m:sub>
-                            </m:sSub>
-                            <m:r>
-                              <m:rPr>
-                                <m:sty m:val="p"/>
-                              </m:rPr>
-                              <m:t>⋅</m:t>
-                            </m:r>
-                            <m:r>
-                              <m:rPr>
-                                <m:sty m:val="p"/>
-                              </m:rPr>
-                              <m:t>log</m:t>
-                            </m:r>
-                            <m:d>
-                              <m:dPr>
-                                <m:begChr m:val="("/>
-                                <m:endChr m:val=")"/>
-                                <m:sepChr m:val=""/>
-                                <m:grow/>
-                              </m:dPr>
-                              <m:e>
-                                <m:r>
-                                  <m:rPr>
-                                    <m:nor/>
-                                    <m:sty m:val="p"/>
-                                  </m:rPr>
+                                  <a:rPr>
+                                    <a:latin typeface="Cambria Math" charset="0"/>
+                                  </a:rPr>
                                   <m:t>Diameter</m:t>
                                 </m:r>
                               </m:e>
@@ -4242,96 +4475,146 @@
                           <m:e/>
                           <m:e>
                             <m:r>
+                              <a:rPr>
+                                <a:latin typeface="Cambria Math" charset="0"/>
+                              </a:rPr>
+                              <m:t>+</m:t>
+                            </m:r>
+                            <m:sSub>
+                              <m:sSubPr>
+                                <m:ctrlPr>
+                                  <a:rPr/>
+                                </m:ctrlPr>
+                              </m:sSubPr>
+                              <m:e>
+                                <m:r>
+                                  <a:rPr>
+                                    <a:latin typeface="Cambria Math" charset="0"/>
+                                  </a:rPr>
+                                  <m:t>𝛽</m:t>
+                                </m:r>
+                              </m:e>
+                              <m:sub>
+                                <m:r>
+                                  <a:rPr>
+                                    <a:latin typeface="Cambria Math" charset="0"/>
+                                  </a:rPr>
+                                  <m:t>4</m:t>
+                                </m:r>
+                              </m:sub>
+                            </m:sSub>
+                            <m:r>
+                              <a:rPr>
+                                <a:latin typeface="Cambria Math" charset="0"/>
+                              </a:rPr>
+                              <m:t>⋅</m:t>
+                            </m:r>
+                            <m:r>
                               <m:rPr>
                                 <m:sty m:val="p"/>
                               </m:rPr>
+                              <a:rPr>
+                                <a:latin typeface="Cambria Math" charset="0"/>
+                              </a:rPr>
+                              <m:t>log</m:t>
+                            </m:r>
+                            <m:d>
+                              <m:dPr>
+                                <m:sepChr m:val=""/>
+                                <m:ctrlPr>
+                                  <a:rPr/>
+                                </m:ctrlPr>
+                              </m:dPr>
+                              <m:e>
+                                <m:r>
+                                  <m:rPr>
+                                    <m:nor/>
+                                  </m:rPr>
+                                  <a:rPr>
+                                    <a:latin typeface="Cambria Math" charset="0"/>
+                                  </a:rPr>
+                                  <m:t>Height</m:t>
+                                </m:r>
+                              </m:e>
+                            </m:d>
+                            <m:r>
+                              <a:rPr>
+                                <a:latin typeface="Cambria Math" charset="0"/>
+                              </a:rPr>
                               <m:t>+</m:t>
                             </m:r>
                             <m:sSub>
+                              <m:sSubPr>
+                                <m:ctrlPr>
+                                  <a:rPr/>
+                                </m:ctrlPr>
+                              </m:sSubPr>
                               <m:e>
                                 <m:r>
-                                  <m:t>β</m:t>
+                                  <a:rPr>
+                                    <a:latin typeface="Cambria Math" charset="0"/>
+                                  </a:rPr>
+                                  <m:t>𝛽</m:t>
                                 </m:r>
                               </m:e>
                               <m:sub>
                                 <m:r>
-                                  <m:t>4</m:t>
+                                  <a:rPr>
+                                    <a:latin typeface="Cambria Math" charset="0"/>
+                                  </a:rPr>
+                                  <m:t>5</m:t>
                                 </m:r>
                               </m:sub>
                             </m:sSub>
+                            <m:r>
+                              <a:rPr>
+                                <a:latin typeface="Cambria Math" charset="0"/>
+                              </a:rPr>
+                              <m:t>⋅</m:t>
+                            </m:r>
                             <m:r>
                               <m:rPr>
                                 <m:sty m:val="p"/>
                               </m:rPr>
-                              <m:t>⋅</m:t>
-                            </m:r>
-                            <m:r>
-                              <m:rPr>
-                                <m:sty m:val="p"/>
-                              </m:rPr>
+                              <a:rPr>
+                                <a:latin typeface="Cambria Math" charset="0"/>
+                              </a:rPr>
                               <m:t>log</m:t>
                             </m:r>
                             <m:d>
                               <m:dPr>
-                                <m:begChr m:val="("/>
-                                <m:endChr m:val=")"/>
                                 <m:sepChr m:val=""/>
-                                <m:grow/>
+                                <m:ctrlPr>
+                                  <a:rPr/>
+                                </m:ctrlPr>
                               </m:dPr>
                               <m:e>
                                 <m:r>
                                   <m:rPr>
                                     <m:nor/>
-                                    <m:sty m:val="p"/>
                                   </m:rPr>
-                                  <m:t>Height</m:t>
-                                </m:r>
-                              </m:e>
-                            </m:d>
-                            <m:r>
-                              <m:rPr>
-                                <m:sty m:val="p"/>
-                              </m:rPr>
-                              <m:t>+</m:t>
-                            </m:r>
-                            <m:sSub>
-                              <m:e>
-                                <m:r>
-                                  <m:t>β</m:t>
-                                </m:r>
-                              </m:e>
-                              <m:sub>
-                                <m:r>
-                                  <m:t>5</m:t>
-                                </m:r>
-                              </m:sub>
-                            </m:sSub>
-                            <m:r>
-                              <m:rPr>
-                                <m:sty m:val="p"/>
-                              </m:rPr>
-                              <m:t>⋅</m:t>
-                            </m:r>
-                            <m:r>
-                              <m:rPr>
-                                <m:sty m:val="p"/>
-                              </m:rPr>
-                              <m:t>log</m:t>
-                            </m:r>
-                            <m:d>
-                              <m:dPr>
-                                <m:begChr m:val="("/>
-                                <m:endChr m:val=")"/>
-                                <m:sepChr m:val=""/>
-                                <m:grow/>
-                              </m:dPr>
-                              <m:e>
+                                  <a:rPr>
+                                    <a:latin typeface="Cambria Math" charset="0"/>
+                                  </a:rPr>
+                                  <m:t>Whole</m:t>
+                                </m:r>
                                 <m:r>
                                   <m:rPr>
                                     <m:nor/>
-                                    <m:sty m:val="p"/>
                                   </m:rPr>
-                                  <m:t>Whole_weight</m:t>
+                                  <a:rPr>
+                                    <a:latin typeface="Cambria Math" charset="0"/>
+                                  </a:rPr>
+                                  <m:t>_</m:t>
+                                </m:r>
+                                <m:r>
+                                  <m:rPr>
+                                    <m:nor/>
+                                  </m:rPr>
+                                  <a:rPr>
+                                    <a:latin typeface="Cambria Math" charset="0"/>
+                                  </a:rPr>
+                                  <m:t>weight</m:t>
                                 </m:r>
                               </m:e>
                             </m:d>
@@ -4341,96 +4624,164 @@
                           <m:e/>
                           <m:e>
                             <m:r>
+                              <a:rPr>
+                                <a:latin typeface="Cambria Math" charset="0"/>
+                              </a:rPr>
+                              <m:t>+</m:t>
+                            </m:r>
+                            <m:sSub>
+                              <m:sSubPr>
+                                <m:ctrlPr>
+                                  <a:rPr/>
+                                </m:ctrlPr>
+                              </m:sSubPr>
+                              <m:e>
+                                <m:r>
+                                  <a:rPr>
+                                    <a:latin typeface="Cambria Math" charset="0"/>
+                                  </a:rPr>
+                                  <m:t>𝛽</m:t>
+                                </m:r>
+                              </m:e>
+                              <m:sub>
+                                <m:r>
+                                  <a:rPr>
+                                    <a:latin typeface="Cambria Math" charset="0"/>
+                                  </a:rPr>
+                                  <m:t>6</m:t>
+                                </m:r>
+                              </m:sub>
+                            </m:sSub>
+                            <m:r>
+                              <a:rPr>
+                                <a:latin typeface="Cambria Math" charset="0"/>
+                              </a:rPr>
+                              <m:t>⋅</m:t>
+                            </m:r>
+                            <m:r>
                               <m:rPr>
                                 <m:sty m:val="p"/>
                               </m:rPr>
+                              <a:rPr>
+                                <a:latin typeface="Cambria Math" charset="0"/>
+                              </a:rPr>
+                              <m:t>log</m:t>
+                            </m:r>
+                            <m:d>
+                              <m:dPr>
+                                <m:sepChr m:val=""/>
+                                <m:ctrlPr>
+                                  <a:rPr/>
+                                </m:ctrlPr>
+                              </m:dPr>
+                              <m:e>
+                                <m:r>
+                                  <m:rPr>
+                                    <m:nor/>
+                                  </m:rPr>
+                                  <a:rPr>
+                                    <a:latin typeface="Cambria Math" charset="0"/>
+                                  </a:rPr>
+                                  <m:t>Shucked</m:t>
+                                </m:r>
+                                <m:r>
+                                  <m:rPr>
+                                    <m:nor/>
+                                  </m:rPr>
+                                  <a:rPr>
+                                    <a:latin typeface="Cambria Math" charset="0"/>
+                                  </a:rPr>
+                                  <m:t>_</m:t>
+                                </m:r>
+                                <m:r>
+                                  <m:rPr>
+                                    <m:nor/>
+                                  </m:rPr>
+                                  <a:rPr>
+                                    <a:latin typeface="Cambria Math" charset="0"/>
+                                  </a:rPr>
+                                  <m:t>weight</m:t>
+                                </m:r>
+                              </m:e>
+                            </m:d>
+                            <m:r>
+                              <a:rPr>
+                                <a:latin typeface="Cambria Math" charset="0"/>
+                              </a:rPr>
                               <m:t>+</m:t>
                             </m:r>
                             <m:sSub>
+                              <m:sSubPr>
+                                <m:ctrlPr>
+                                  <a:rPr/>
+                                </m:ctrlPr>
+                              </m:sSubPr>
                               <m:e>
                                 <m:r>
-                                  <m:t>β</m:t>
+                                  <a:rPr>
+                                    <a:latin typeface="Cambria Math" charset="0"/>
+                                  </a:rPr>
+                                  <m:t>𝛽</m:t>
                                 </m:r>
                               </m:e>
                               <m:sub>
                                 <m:r>
-                                  <m:t>6</m:t>
+                                  <a:rPr>
+                                    <a:latin typeface="Cambria Math" charset="0"/>
+                                  </a:rPr>
+                                  <m:t>7</m:t>
                                 </m:r>
                               </m:sub>
                             </m:sSub>
+                            <m:r>
+                              <a:rPr>
+                                <a:latin typeface="Cambria Math" charset="0"/>
+                              </a:rPr>
+                              <m:t>⋅</m:t>
+                            </m:r>
                             <m:r>
                               <m:rPr>
                                 <m:sty m:val="p"/>
                               </m:rPr>
-                              <m:t>⋅</m:t>
-                            </m:r>
-                            <m:r>
-                              <m:rPr>
-                                <m:sty m:val="p"/>
-                              </m:rPr>
+                              <a:rPr>
+                                <a:latin typeface="Cambria Math" charset="0"/>
+                              </a:rPr>
                               <m:t>log</m:t>
                             </m:r>
                             <m:d>
                               <m:dPr>
-                                <m:begChr m:val="("/>
-                                <m:endChr m:val=")"/>
                                 <m:sepChr m:val=""/>
-                                <m:grow/>
+                                <m:ctrlPr>
+                                  <a:rPr/>
+                                </m:ctrlPr>
                               </m:dPr>
                               <m:e>
                                 <m:r>
                                   <m:rPr>
                                     <m:nor/>
-                                    <m:sty m:val="p"/>
                                   </m:rPr>
-                                  <m:t>Shucked_weight</m:t>
-                                </m:r>
-                              </m:e>
-                            </m:d>
-                            <m:r>
-                              <m:rPr>
-                                <m:sty m:val="p"/>
-                              </m:rPr>
-                              <m:t>+</m:t>
-                            </m:r>
-                            <m:sSub>
-                              <m:e>
-                                <m:r>
-                                  <m:t>β</m:t>
-                                </m:r>
-                              </m:e>
-                              <m:sub>
-                                <m:r>
-                                  <m:t>7</m:t>
-                                </m:r>
-                              </m:sub>
-                            </m:sSub>
-                            <m:r>
-                              <m:rPr>
-                                <m:sty m:val="p"/>
-                              </m:rPr>
-                              <m:t>⋅</m:t>
-                            </m:r>
-                            <m:r>
-                              <m:rPr>
-                                <m:sty m:val="p"/>
-                              </m:rPr>
-                              <m:t>log</m:t>
-                            </m:r>
-                            <m:d>
-                              <m:dPr>
-                                <m:begChr m:val="("/>
-                                <m:endChr m:val=")"/>
-                                <m:sepChr m:val=""/>
-                                <m:grow/>
-                              </m:dPr>
-                              <m:e>
+                                  <a:rPr>
+                                    <a:latin typeface="Cambria Math" charset="0"/>
+                                  </a:rPr>
+                                  <m:t>Viscera</m:t>
+                                </m:r>
                                 <m:r>
                                   <m:rPr>
                                     <m:nor/>
-                                    <m:sty m:val="p"/>
                                   </m:rPr>
-                                  <m:t>Viscera_weight</m:t>
+                                  <a:rPr>
+                                    <a:latin typeface="Cambria Math" charset="0"/>
+                                  </a:rPr>
+                                  <m:t>_</m:t>
+                                </m:r>
+                                <m:r>
+                                  <m:rPr>
+                                    <m:nor/>
+                                  </m:rPr>
+                                  <a:rPr>
+                                    <a:latin typeface="Cambria Math" charset="0"/>
+                                  </a:rPr>
+                                  <m:t>weight</m:t>
                                 </m:r>
                               </m:e>
                             </m:d>
@@ -4440,60 +4791,97 @@
                           <m:e/>
                           <m:e>
                             <m:r>
+                              <a:rPr>
+                                <a:latin typeface="Cambria Math" charset="0"/>
+                              </a:rPr>
+                              <m:t>+</m:t>
+                            </m:r>
+                            <m:sSub>
+                              <m:sSubPr>
+                                <m:ctrlPr>
+                                  <a:rPr/>
+                                </m:ctrlPr>
+                              </m:sSubPr>
+                              <m:e>
+                                <m:r>
+                                  <a:rPr>
+                                    <a:latin typeface="Cambria Math" charset="0"/>
+                                  </a:rPr>
+                                  <m:t>𝛽</m:t>
+                                </m:r>
+                              </m:e>
+                              <m:sub>
+                                <m:r>
+                                  <a:rPr>
+                                    <a:latin typeface="Cambria Math" charset="0"/>
+                                  </a:rPr>
+                                  <m:t>8</m:t>
+                                </m:r>
+                              </m:sub>
+                            </m:sSub>
+                            <m:r>
+                              <a:rPr>
+                                <a:latin typeface="Cambria Math" charset="0"/>
+                              </a:rPr>
+                              <m:t>⋅</m:t>
+                            </m:r>
+                            <m:r>
                               <m:rPr>
                                 <m:sty m:val="p"/>
                               </m:rPr>
-                              <m:t>+</m:t>
-                            </m:r>
-                            <m:sSub>
-                              <m:e>
-                                <m:r>
-                                  <m:t>β</m:t>
-                                </m:r>
-                              </m:e>
-                              <m:sub>
-                                <m:r>
-                                  <m:t>8</m:t>
-                                </m:r>
-                              </m:sub>
-                            </m:sSub>
-                            <m:r>
-                              <m:rPr>
-                                <m:sty m:val="p"/>
-                              </m:rPr>
-                              <m:t>⋅</m:t>
-                            </m:r>
-                            <m:r>
-                              <m:rPr>
-                                <m:sty m:val="p"/>
-                              </m:rPr>
+                              <a:rPr>
+                                <a:latin typeface="Cambria Math" charset="0"/>
+                              </a:rPr>
                               <m:t>log</m:t>
                             </m:r>
                             <m:d>
                               <m:dPr>
-                                <m:begChr m:val="("/>
-                                <m:endChr m:val=")"/>
                                 <m:sepChr m:val=""/>
-                                <m:grow/>
+                                <m:ctrlPr>
+                                  <a:rPr/>
+                                </m:ctrlPr>
                               </m:dPr>
                               <m:e>
                                 <m:r>
                                   <m:rPr>
                                     <m:nor/>
-                                    <m:sty m:val="p"/>
                                   </m:rPr>
-                                  <m:t>Shell_weight</m:t>
+                                  <a:rPr>
+                                    <a:latin typeface="Cambria Math" charset="0"/>
+                                  </a:rPr>
+                                  <m:t>Shell</m:t>
+                                </m:r>
+                                <m:r>
+                                  <m:rPr>
+                                    <m:nor/>
+                                  </m:rPr>
+                                  <a:rPr>
+                                    <a:latin typeface="Cambria Math" charset="0"/>
+                                  </a:rPr>
+                                  <m:t>_</m:t>
+                                </m:r>
+                                <m:r>
+                                  <m:rPr>
+                                    <m:nor/>
+                                  </m:rPr>
+                                  <a:rPr>
+                                    <a:latin typeface="Cambria Math" charset="0"/>
+                                  </a:rPr>
+                                  <m:t>weight</m:t>
                                 </m:r>
                               </m:e>
                             </m:d>
                             <m:r>
-                              <m:rPr>
-                                <m:sty m:val="p"/>
-                              </m:rPr>
+                              <a:rPr>
+                                <a:latin typeface="Cambria Math" charset="0"/>
+                              </a:rPr>
                               <m:t>+</m:t>
                             </m:r>
                             <m:r>
-                              <m:t>ϵ</m:t>
+                              <a:rPr>
+                                <a:latin typeface="Cambria Math" charset="0"/>
+                              </a:rPr>
+                              <m:t>𝜖</m:t>
                             </m:r>
                           </m:e>
                         </m:mr>
@@ -4503,20 +4891,172 @@
                 </a14:m>
               </a:p>
               <a:p>
-                <a:pPr lvl="0" indent="0" marL="0">
+                <a:pPr marL="0" lvl="0" indent="0">
                   <a:buNone/>
                 </a:pPr>
                 <a:r>
-                  <a:rPr/>
                   <a:t>the model exhibits a more linear relationship between the response and predictors</a:t>
                 </a:r>
               </a:p>
             </p:txBody>
           </p:sp>
         </mc:Choice>
+        <mc:Fallback>
+          <p:sp>
+            <p:nvSpPr>
+              <p:cNvPr id="3" name="Content Placeholder 2"/>
+              <p:cNvSpPr>
+                <a:spLocks noRot="1" noChangeAspect="1" noMove="1" noResize="1" noEditPoints="1" noAdjustHandles="1" noChangeArrowheads="1" noChangeShapeType="1" noTextEdit="1"/>
+              </p:cNvSpPr>
+              <p:nvPr>
+                <p:ph idx="1"/>
+              </p:nvPr>
+            </p:nvSpPr>
+            <p:spPr>
+              <a:xfrm>
+                <a:off x="379095" y="133351"/>
+                <a:ext cx="8229600" cy="3394472"/>
+              </a:xfrm>
+              <a:blipFill rotWithShape="1">
+                <a:blip r:embed="rId1"/>
+                <a:stretch>
+                  <a:fillRect b="-37776"/>
+                </a:stretch>
+              </a:blipFill>
+            </p:spPr>
+            <p:txBody>
+              <a:bodyPr/>
+              <a:lstStyle/>
+              <a:p>
+                <a:r>
+                  <a:rPr lang="zh-CN" altLang="en-US">
+                    <a:noFill/>
+                  </a:rPr>
+                  <a:t> </a:t>
+                </a:r>
+              </a:p>
+            </p:txBody>
+          </p:sp>
+        </mc:Fallback>
       </mc:AlternateContent>
     </p:spTree>
   </p:cSld>
+  <p:clrMapOvr>
+    <a:masterClrMapping/>
+  </p:clrMapOvr>
+</p:sld>
+</file>
+
+<file path=ppt/slides/slide6.xml><?xml version="1.0" encoding="utf-8"?>
+<p:sld xmlns:a="http://schemas.openxmlformats.org/drawingml/2006/main" xmlns:r="http://schemas.openxmlformats.org/officeDocument/2006/relationships" xmlns:p="http://schemas.openxmlformats.org/presentationml/2006/main">
+  <p:cSld>
+    <p:spTree>
+      <p:nvGrpSpPr>
+        <p:cNvPr id="1" name=""/>
+        <p:cNvGrpSpPr/>
+        <p:nvPr/>
+      </p:nvGrpSpPr>
+      <p:grpSpPr>
+        <a:xfrm>
+          <a:off x="0" y="0"/>
+          <a:ext cx="0" cy="0"/>
+          <a:chOff x="0" y="0"/>
+          <a:chExt cx="0" cy="0"/>
+        </a:xfrm>
+      </p:grpSpPr>
+      <p:sp>
+        <p:nvSpPr>
+          <p:cNvPr id="2" name="Title 1"/>
+          <p:cNvSpPr>
+            <a:spLocks noGrp="1"/>
+          </p:cNvSpPr>
+          <p:nvPr>
+            <p:ph type="title"/>
+          </p:nvPr>
+        </p:nvSpPr>
+        <p:spPr/>
+        <p:txBody>
+          <a:bodyPr/>
+          <a:lstStyle/>
+          <a:p>
+            <a:pPr marL="0" lvl="0" indent="0">
+              <a:buNone/>
+            </a:pPr>
+            <a:r>
+              <a:t>model 3 Linearity check</a:t>
+            </a:r>
+          </a:p>
+        </p:txBody>
+      </p:sp>
+      <p:pic>
+        <p:nvPicPr>
+          <p:cNvPr id="3" name="Picture 1" descr="model3check.png"/>
+          <p:cNvPicPr>
+            <a:picLocks noGrp="1" noChangeAspect="1"/>
+          </p:cNvPicPr>
+          <p:nvPr/>
+        </p:nvPicPr>
+        <p:blipFill>
+          <a:blip r:embed="rId1"/>
+          <a:stretch>
+            <a:fillRect/>
+          </a:stretch>
+        </p:blipFill>
+        <p:spPr bwMode="auto">
+          <a:xfrm>
+            <a:off x="278130" y="1062990"/>
+            <a:ext cx="4616450" cy="3792855"/>
+          </a:xfrm>
+          <a:prstGeom prst="rect">
+            <a:avLst/>
+          </a:prstGeom>
+          <a:noFill/>
+          <a:ln w="9525">
+            <a:noFill/>
+          </a:ln>
+        </p:spPr>
+      </p:pic>
+      <p:sp>
+        <p:nvSpPr>
+          <p:cNvPr id="4" name="文本框 3"/>
+          <p:cNvSpPr txBox="1"/>
+          <p:nvPr/>
+        </p:nvSpPr>
+        <p:spPr>
+          <a:xfrm>
+            <a:off x="5432425" y="1409700"/>
+            <a:ext cx="3067050" cy="1753235"/>
+          </a:xfrm>
+          <a:prstGeom prst="rect">
+            <a:avLst/>
+          </a:prstGeom>
+          <a:noFill/>
+        </p:spPr>
+        <p:txBody>
+          <a:bodyPr wrap="square" rtlCol="0">
+            <a:spAutoFit/>
+          </a:bodyPr>
+          <a:p>
+            <a:r>
+              <a:rPr>
+                <a:sym typeface="+mn-ea"/>
+              </a:rPr>
+              <a:t>the model adequately satisfies the linearity assumption, with only minor deviations for some predictors.</a:t>
+            </a:r>
+            <a:endParaRPr>
+              <a:sym typeface="+mn-ea"/>
+            </a:endParaRPr>
+          </a:p>
+          <a:p>
+            <a:endParaRPr lang="zh-CN" altLang="en-US"/>
+          </a:p>
+        </p:txBody>
+      </p:sp>
+    </p:spTree>
+  </p:cSld>
+  <p:clrMapOvr>
+    <a:masterClrMapping/>
+  </p:clrMapOvr>
 </p:sld>
 </file>
 
@@ -4552,19 +5092,43 @@
           <a:bodyPr/>
           <a:lstStyle/>
           <a:p>
-            <a:pPr lvl="0" indent="0" marL="0">
+            <a:pPr marL="0" lvl="0" indent="0">
               <a:buNone/>
             </a:pPr>
-            <a:r>
-              <a:rPr/>
-              <a:t>model 3 Linearity check</a:t>
-            </a:r>
           </a:p>
         </p:txBody>
       </p:sp>
       <p:pic>
         <p:nvPicPr>
-          <p:cNvPr descr="model3check.png" id="0" name="Picture 1"/>
+          <p:cNvPr id="3" name="Picture 1" descr="model3qq.png"/>
+          <p:cNvPicPr>
+            <a:picLocks noGrp="1" noChangeAspect="1"/>
+          </p:cNvPicPr>
+          <p:nvPr/>
+        </p:nvPicPr>
+        <p:blipFill>
+          <a:blip r:embed="rId1"/>
+          <a:stretch>
+            <a:fillRect/>
+          </a:stretch>
+        </p:blipFill>
+        <p:spPr bwMode="auto">
+          <a:xfrm>
+            <a:off x="290195" y="116840"/>
+            <a:ext cx="4127500" cy="3390900"/>
+          </a:xfrm>
+          <a:prstGeom prst="rect">
+            <a:avLst/>
+          </a:prstGeom>
+          <a:noFill/>
+          <a:ln w="9525">
+            <a:noFill/>
+          </a:ln>
+        </p:spPr>
+      </p:pic>
+      <p:pic>
+        <p:nvPicPr>
+          <p:cNvPr id="4" name="Picture 1" descr="model3resi.png"/>
           <p:cNvPicPr>
             <a:picLocks noGrp="1" noChangeAspect="1"/>
           </p:cNvPicPr>
@@ -4578,8 +5142,8 @@
         </p:blipFill>
         <p:spPr bwMode="auto">
           <a:xfrm>
-            <a:off x="2501900" y="1193800"/>
-            <a:ext cx="4127500" cy="3390900"/>
+            <a:off x="4417695" y="116840"/>
+            <a:ext cx="4127500" cy="3047365"/>
           </a:xfrm>
           <a:prstGeom prst="rect">
             <a:avLst/>
@@ -4587,137 +5151,50 @@
           <a:noFill/>
           <a:ln w="9525">
             <a:noFill/>
-            <a:headEnd/>
-            <a:tailEnd/>
           </a:ln>
         </p:spPr>
       </p:pic>
-    </p:spTree>
-  </p:cSld>
-</p:sld>
-</file>
-
-<file path=ppt/slides/slide8.xml><?xml version="1.0" encoding="utf-8"?>
-<p:sld xmlns:a="http://schemas.openxmlformats.org/drawingml/2006/main" xmlns:r="http://schemas.openxmlformats.org/officeDocument/2006/relationships" xmlns:p="http://schemas.openxmlformats.org/presentationml/2006/main">
-  <p:cSld>
-    <p:spTree>
-      <p:nvGrpSpPr>
-        <p:cNvPr id="1" name=""/>
-        <p:cNvGrpSpPr/>
-        <p:nvPr/>
-      </p:nvGrpSpPr>
-      <p:grpSpPr>
-        <a:xfrm>
-          <a:off x="0" y="0"/>
-          <a:ext cx="0" cy="0"/>
-          <a:chOff x="0" y="0"/>
-          <a:chExt cx="0" cy="0"/>
-        </a:xfrm>
-      </p:grpSpPr>
-      <p:sp>
-        <p:nvSpPr>
-          <p:cNvPr id="3" name="Content Placeholder 2"/>
-          <p:cNvSpPr>
-            <a:spLocks noGrp="1"/>
-          </p:cNvSpPr>
-          <p:nvPr>
-            <p:ph idx="1"/>
-          </p:nvPr>
-        </p:nvSpPr>
-        <p:spPr/>
-        <p:txBody>
-          <a:bodyPr/>
-          <a:lstStyle/>
-          <a:p>
-            <a:pPr lvl="0" indent="0" marL="0">
-              <a:buNone/>
-            </a:pPr>
-            <a:r>
-              <a:rPr/>
-              <a:t>the model adequately satisfies the linearity assumption, with only minor deviations for some predictors.</a:t>
-            </a:r>
-          </a:p>
-        </p:txBody>
-      </p:sp>
-    </p:spTree>
-  </p:cSld>
-</p:sld>
-</file>
-
-<file path=ppt/slides/slide9.xml><?xml version="1.0" encoding="utf-8"?>
-<p:sld xmlns:a="http://schemas.openxmlformats.org/drawingml/2006/main" xmlns:r="http://schemas.openxmlformats.org/officeDocument/2006/relationships" xmlns:p="http://schemas.openxmlformats.org/presentationml/2006/main">
-  <p:cSld>
-    <p:spTree>
-      <p:nvGrpSpPr>
-        <p:cNvPr id="1" name=""/>
-        <p:cNvGrpSpPr/>
-        <p:nvPr/>
-      </p:nvGrpSpPr>
-      <p:grpSpPr>
-        <a:xfrm>
-          <a:off x="0" y="0"/>
-          <a:ext cx="0" cy="0"/>
-          <a:chOff x="0" y="0"/>
-          <a:chExt cx="0" cy="0"/>
-        </a:xfrm>
-      </p:grpSpPr>
-      <p:sp>
-        <p:nvSpPr>
-          <p:cNvPr id="2" name="Title 1"/>
-          <p:cNvSpPr>
-            <a:spLocks noGrp="1"/>
-          </p:cNvSpPr>
-          <p:nvPr>
-            <p:ph type="title"/>
-          </p:nvPr>
-        </p:nvSpPr>
-        <p:spPr/>
-        <p:txBody>
-          <a:bodyPr/>
-          <a:lstStyle/>
-          <a:p>
-            <a:pPr lvl="0" indent="0" marL="0">
-              <a:buNone/>
-            </a:pPr>
-            <a:r>
-              <a:rPr/>
-              <a:t>A3-A4</a:t>
-            </a:r>
-          </a:p>
-        </p:txBody>
-      </p:sp>
-      <p:pic>
-        <p:nvPicPr>
-          <p:cNvPr descr="model3qq.png" id="0" name="Picture 1"/>
-          <p:cNvPicPr>
-            <a:picLocks noGrp="1" noChangeAspect="1"/>
-          </p:cNvPicPr>
+      <p:sp>
+        <p:nvSpPr>
+          <p:cNvPr id="5" name="文本框 4"/>
+          <p:cNvSpPr txBox="1"/>
           <p:nvPr/>
-        </p:nvPicPr>
-        <p:blipFill>
-          <a:blip r:embed="rId2"/>
-          <a:stretch>
-            <a:fillRect/>
-          </a:stretch>
-        </p:blipFill>
-        <p:spPr bwMode="auto">
+        </p:nvSpPr>
+        <p:spPr>
           <a:xfrm>
-            <a:off x="2501900" y="1193800"/>
-            <a:ext cx="4127500" cy="3390900"/>
+            <a:off x="666115" y="3731895"/>
+            <a:ext cx="8199755" cy="1476375"/>
           </a:xfrm>
           <a:prstGeom prst="rect">
             <a:avLst/>
           </a:prstGeom>
           <a:noFill/>
-          <a:ln w="9525">
-            <a:noFill/>
-            <a:headEnd/>
-            <a:tailEnd/>
-          </a:ln>
         </p:spPr>
-      </p:pic>
+        <p:txBody>
+          <a:bodyPr wrap="square" rtlCol="0">
+            <a:spAutoFit/>
+          </a:bodyPr>
+          <a:p>
+            <a:r>
+              <a:rPr>
+                <a:sym typeface="+mn-ea"/>
+              </a:rPr>
+              <a:t> Model 3 improves significantly on these issues, showing better normality of residuals and addressing heteroscedasticity. The inverse transformation applied in Model 3 has helped stabilize the variance and improve the overall model fit.</a:t>
+            </a:r>
+            <a:endParaRPr>
+              <a:sym typeface="+mn-ea"/>
+            </a:endParaRPr>
+          </a:p>
+          <a:p>
+            <a:endParaRPr lang="zh-CN" altLang="en-US"/>
+          </a:p>
+        </p:txBody>
+      </p:sp>
     </p:spTree>
   </p:cSld>
+  <p:clrMapOvr>
+    <a:masterClrMapping/>
+  </p:clrMapOvr>
 </p:sld>
 </file>
 
@@ -5037,263 +5514,6 @@
       </a:style>
     </a:lnDef>
   </a:objectDefaults>
-  <a:extraClrSchemeLst/>
-</a:theme>
-</file>
-
-<file path=ppt/theme/theme2.xml><?xml version="1.0" encoding="utf-8"?>
-<a:theme xmlns:a="http://schemas.openxmlformats.org/drawingml/2006/main" name="Office Theme">
-  <a:themeElements>
-    <a:clrScheme name="Office">
-      <a:dk1>
-        <a:sysClr val="windowText" lastClr="000000"/>
-      </a:dk1>
-      <a:lt1>
-        <a:sysClr val="window" lastClr="FFFFFF"/>
-      </a:lt1>
-      <a:dk2>
-        <a:srgbClr val="44546A"/>
-      </a:dk2>
-      <a:lt2>
-        <a:srgbClr val="E7E6E6"/>
-      </a:lt2>
-      <a:accent1>
-        <a:srgbClr val="5B9BD5"/>
-      </a:accent1>
-      <a:accent2>
-        <a:srgbClr val="ED7D31"/>
-      </a:accent2>
-      <a:accent3>
-        <a:srgbClr val="A5A5A5"/>
-      </a:accent3>
-      <a:accent4>
-        <a:srgbClr val="FFC000"/>
-      </a:accent4>
-      <a:accent5>
-        <a:srgbClr val="4472C4"/>
-      </a:accent5>
-      <a:accent6>
-        <a:srgbClr val="70AD47"/>
-      </a:accent6>
-      <a:hlink>
-        <a:srgbClr val="0563C1"/>
-      </a:hlink>
-      <a:folHlink>
-        <a:srgbClr val="954F72"/>
-      </a:folHlink>
-    </a:clrScheme>
-    <a:fontScheme name="Office">
-      <a:majorFont>
-        <a:latin typeface="Calibri Light" panose="020F0302020204030204"/>
-        <a:ea typeface=""/>
-        <a:cs typeface=""/>
-        <a:font script="Jpan" typeface="ＭＳ Ｐゴシック"/>
-        <a:font script="Hang" typeface="맑은 고딕"/>
-        <a:font script="Hans" typeface="宋体"/>
-        <a:font script="Hant" typeface="新細明體"/>
-        <a:font script="Arab" typeface="Times New Roman"/>
-        <a:font script="Hebr" typeface="Times New Roman"/>
-        <a:font script="Thai" typeface="Angsana New"/>
-        <a:font script="Ethi" typeface="Nyala"/>
-        <a:font script="Beng" typeface="Vrinda"/>
-        <a:font script="Gujr" typeface="Shruti"/>
-        <a:font script="Khmr" typeface="MoolBoran"/>
-        <a:font script="Knda" typeface="Tunga"/>
-        <a:font script="Guru" typeface="Raavi"/>
-        <a:font script="Cans" typeface="Euphemia"/>
-        <a:font script="Cher" typeface="Plantagenet Cherokee"/>
-        <a:font script="Yiii" typeface="Microsoft Yi Baiti"/>
-        <a:font script="Tibt" typeface="Microsoft Himalaya"/>
-        <a:font script="Thaa" typeface="MV Boli"/>
-        <a:font script="Deva" typeface="Mangal"/>
-        <a:font script="Telu" typeface="Gautami"/>
-        <a:font script="Taml" typeface="Latha"/>
-        <a:font script="Syrc" typeface="Estrangelo Edessa"/>
-        <a:font script="Orya" typeface="Kalinga"/>
-        <a:font script="Mlym" typeface="Kartika"/>
-        <a:font script="Laoo" typeface="DokChampa"/>
-        <a:font script="Sinh" typeface="Iskoola Pota"/>
-        <a:font script="Mong" typeface="Mongolian Baiti"/>
-        <a:font script="Viet" typeface="Times New Roman"/>
-        <a:font script="Uigh" typeface="Microsoft Uighur"/>
-        <a:font script="Geor" typeface="Sylfaen"/>
-      </a:majorFont>
-      <a:minorFont>
-        <a:latin typeface="Calibri" panose="020F0502020204030204"/>
-        <a:ea typeface=""/>
-        <a:cs typeface=""/>
-        <a:font script="Jpan" typeface="ＭＳ Ｐゴシック"/>
-        <a:font script="Hang" typeface="맑은 고딕"/>
-        <a:font script="Hans" typeface="宋体"/>
-        <a:font script="Hant" typeface="新細明體"/>
-        <a:font script="Arab" typeface="Arial"/>
-        <a:font script="Hebr" typeface="Arial"/>
-        <a:font script="Thai" typeface="Cordia New"/>
-        <a:font script="Ethi" typeface="Nyala"/>
-        <a:font script="Beng" typeface="Vrinda"/>
-        <a:font script="Gujr" typeface="Shruti"/>
-        <a:font script="Khmr" typeface="DaunPenh"/>
-        <a:font script="Knda" typeface="Tunga"/>
-        <a:font script="Guru" typeface="Raavi"/>
-        <a:font script="Cans" typeface="Euphemia"/>
-        <a:font script="Cher" typeface="Plantagenet Cherokee"/>
-        <a:font script="Yiii" typeface="Microsoft Yi Baiti"/>
-        <a:font script="Tibt" typeface="Microsoft Himalaya"/>
-        <a:font script="Thaa" typeface="MV Boli"/>
-        <a:font script="Deva" typeface="Mangal"/>
-        <a:font script="Telu" typeface="Gautami"/>
-        <a:font script="Taml" typeface="Latha"/>
-        <a:font script="Syrc" typeface="Estrangelo Edessa"/>
-        <a:font script="Orya" typeface="Kalinga"/>
-        <a:font script="Mlym" typeface="Kartika"/>
-        <a:font script="Laoo" typeface="DokChampa"/>
-        <a:font script="Sinh" typeface="Iskoola Pota"/>
-        <a:font script="Mong" typeface="Mongolian Baiti"/>
-        <a:font script="Viet" typeface="Arial"/>
-        <a:font script="Uigh" typeface="Microsoft Uighur"/>
-        <a:font script="Geor" typeface="Sylfaen"/>
-      </a:minorFont>
-    </a:fontScheme>
-    <a:fmtScheme name="Office">
-      <a:fillStyleLst>
-        <a:solidFill>
-          <a:schemeClr val="phClr"/>
-        </a:solidFill>
-        <a:gradFill rotWithShape="1">
-          <a:gsLst>
-            <a:gs pos="0">
-              <a:schemeClr val="phClr">
-                <a:lumMod val="110000"/>
-                <a:satMod val="105000"/>
-                <a:tint val="67000"/>
-              </a:schemeClr>
-            </a:gs>
-            <a:gs pos="50000">
-              <a:schemeClr val="phClr">
-                <a:lumMod val="105000"/>
-                <a:satMod val="103000"/>
-                <a:tint val="73000"/>
-              </a:schemeClr>
-            </a:gs>
-            <a:gs pos="100000">
-              <a:schemeClr val="phClr">
-                <a:lumMod val="105000"/>
-                <a:satMod val="109000"/>
-                <a:tint val="81000"/>
-              </a:schemeClr>
-            </a:gs>
-          </a:gsLst>
-          <a:lin ang="5400000" scaled="0"/>
-        </a:gradFill>
-        <a:gradFill rotWithShape="1">
-          <a:gsLst>
-            <a:gs pos="0">
-              <a:schemeClr val="phClr">
-                <a:satMod val="103000"/>
-                <a:lumMod val="102000"/>
-                <a:tint val="94000"/>
-              </a:schemeClr>
-            </a:gs>
-            <a:gs pos="50000">
-              <a:schemeClr val="phClr">
-                <a:satMod val="110000"/>
-                <a:lumMod val="100000"/>
-                <a:shade val="100000"/>
-              </a:schemeClr>
-            </a:gs>
-            <a:gs pos="100000">
-              <a:schemeClr val="phClr">
-                <a:lumMod val="99000"/>
-                <a:satMod val="120000"/>
-                <a:shade val="78000"/>
-              </a:schemeClr>
-            </a:gs>
-          </a:gsLst>
-          <a:lin ang="5400000" scaled="0"/>
-        </a:gradFill>
-      </a:fillStyleLst>
-      <a:lnStyleLst>
-        <a:ln w="6350" cap="flat" cmpd="sng" algn="ctr">
-          <a:solidFill>
-            <a:schemeClr val="phClr"/>
-          </a:solidFill>
-          <a:prstDash val="solid"/>
-          <a:miter lim="800000"/>
-        </a:ln>
-        <a:ln w="12700" cap="flat" cmpd="sng" algn="ctr">
-          <a:solidFill>
-            <a:schemeClr val="phClr"/>
-          </a:solidFill>
-          <a:prstDash val="solid"/>
-          <a:miter lim="800000"/>
-        </a:ln>
-        <a:ln w="19050" cap="flat" cmpd="sng" algn="ctr">
-          <a:solidFill>
-            <a:schemeClr val="phClr"/>
-          </a:solidFill>
-          <a:prstDash val="solid"/>
-          <a:miter lim="800000"/>
-        </a:ln>
-      </a:lnStyleLst>
-      <a:effectStyleLst>
-        <a:effectStyle>
-          <a:effectLst/>
-        </a:effectStyle>
-        <a:effectStyle>
-          <a:effectLst/>
-        </a:effectStyle>
-        <a:effectStyle>
-          <a:effectLst>
-            <a:outerShdw blurRad="57150" dist="19050" dir="5400000" algn="ctr" rotWithShape="0">
-              <a:srgbClr val="000000">
-                <a:alpha val="63000"/>
-              </a:srgbClr>
-            </a:outerShdw>
-          </a:effectLst>
-        </a:effectStyle>
-      </a:effectStyleLst>
-      <a:bgFillStyleLst>
-        <a:solidFill>
-          <a:schemeClr val="phClr"/>
-        </a:solidFill>
-        <a:solidFill>
-          <a:schemeClr val="phClr">
-            <a:tint val="95000"/>
-            <a:satMod val="170000"/>
-          </a:schemeClr>
-        </a:solidFill>
-        <a:gradFill rotWithShape="1">
-          <a:gsLst>
-            <a:gs pos="0">
-              <a:schemeClr val="phClr">
-                <a:tint val="93000"/>
-                <a:satMod val="150000"/>
-                <a:shade val="98000"/>
-                <a:lumMod val="102000"/>
-              </a:schemeClr>
-            </a:gs>
-            <a:gs pos="50000">
-              <a:schemeClr val="phClr">
-                <a:tint val="98000"/>
-                <a:satMod val="130000"/>
-                <a:shade val="90000"/>
-                <a:lumMod val="103000"/>
-              </a:schemeClr>
-            </a:gs>
-            <a:gs pos="100000">
-              <a:schemeClr val="phClr">
-                <a:shade val="63000"/>
-                <a:satMod val="120000"/>
-              </a:schemeClr>
-            </a:gs>
-          </a:gsLst>
-          <a:lin ang="5400000" scaled="0"/>
-        </a:gradFill>
-      </a:bgFillStyleLst>
-    </a:fmtScheme>
-  </a:themeElements>
-  <a:objectDefaults/>
-  <a:extraClrSchemeLst/>
   <a:extLst>
     <a:ext uri="{05A4C25C-085E-4340-85A3-A5531E510DB2}">
       <thm15:themeFamily xmlns:thm15="http://schemas.microsoft.com/office/thememl/2012/main" name="Office Theme" id="{62F939B6-93AF-4DB8-9C6B-D6C7DFDC589F}" vid="{4A3C46E8-61CC-4603-A589-7422A47A8E4A}"/>
